--- a/document/Struct.pptx
+++ b/document/Struct.pptx
@@ -7,6 +7,7 @@
   <p:sldIdLst>
     <p:sldId id="256" r:id="rId2"/>
     <p:sldId id="257" r:id="rId3"/>
+    <p:sldId id="258" r:id="rId4"/>
   </p:sldIdLst>
   <p:sldSz cx="12192000" cy="6858000"/>
   <p:notesSz cx="6858000" cy="9144000"/>
@@ -105,6 +106,11 @@
       </a:defRPr>
     </a:lvl9pPr>
   </p:defaultTextStyle>
+  <p:extLst>
+    <p:ext uri="{EFAFB233-063F-42B5-8137-9DF3F51BA10A}">
+      <p15:sldGuideLst xmlns:p15="http://schemas.microsoft.com/office/powerpoint/2012/main"/>
+    </p:ext>
+  </p:extLst>
 </p:presentation>
 </file>
 
@@ -239,7 +245,7 @@
           <a:p>
             <a:fld id="{8FDA2FB0-9F99-450F-8A31-2EF9E17AFA29}" type="datetimeFigureOut">
               <a:rPr lang="zh-CN" altLang="en-US" smtClean="0"/>
-              <a:t>2015/6/19</a:t>
+              <a:t>2015/7/1</a:t>
             </a:fld>
             <a:endParaRPr lang="zh-CN" altLang="en-US"/>
           </a:p>
@@ -409,7 +415,7 @@
           <a:p>
             <a:fld id="{8FDA2FB0-9F99-450F-8A31-2EF9E17AFA29}" type="datetimeFigureOut">
               <a:rPr lang="zh-CN" altLang="en-US" smtClean="0"/>
-              <a:t>2015/6/19</a:t>
+              <a:t>2015/7/1</a:t>
             </a:fld>
             <a:endParaRPr lang="zh-CN" altLang="en-US"/>
           </a:p>
@@ -589,7 +595,7 @@
           <a:p>
             <a:fld id="{8FDA2FB0-9F99-450F-8A31-2EF9E17AFA29}" type="datetimeFigureOut">
               <a:rPr lang="zh-CN" altLang="en-US" smtClean="0"/>
-              <a:t>2015/6/19</a:t>
+              <a:t>2015/7/1</a:t>
             </a:fld>
             <a:endParaRPr lang="zh-CN" altLang="en-US"/>
           </a:p>
@@ -759,7 +765,7 @@
           <a:p>
             <a:fld id="{8FDA2FB0-9F99-450F-8A31-2EF9E17AFA29}" type="datetimeFigureOut">
               <a:rPr lang="zh-CN" altLang="en-US" smtClean="0"/>
-              <a:t>2015/6/19</a:t>
+              <a:t>2015/7/1</a:t>
             </a:fld>
             <a:endParaRPr lang="zh-CN" altLang="en-US"/>
           </a:p>
@@ -1005,7 +1011,7 @@
           <a:p>
             <a:fld id="{8FDA2FB0-9F99-450F-8A31-2EF9E17AFA29}" type="datetimeFigureOut">
               <a:rPr lang="zh-CN" altLang="en-US" smtClean="0"/>
-              <a:t>2015/6/19</a:t>
+              <a:t>2015/7/1</a:t>
             </a:fld>
             <a:endParaRPr lang="zh-CN" altLang="en-US"/>
           </a:p>
@@ -1237,7 +1243,7 @@
           <a:p>
             <a:fld id="{8FDA2FB0-9F99-450F-8A31-2EF9E17AFA29}" type="datetimeFigureOut">
               <a:rPr lang="zh-CN" altLang="en-US" smtClean="0"/>
-              <a:t>2015/6/19</a:t>
+              <a:t>2015/7/1</a:t>
             </a:fld>
             <a:endParaRPr lang="zh-CN" altLang="en-US"/>
           </a:p>
@@ -1604,7 +1610,7 @@
           <a:p>
             <a:fld id="{8FDA2FB0-9F99-450F-8A31-2EF9E17AFA29}" type="datetimeFigureOut">
               <a:rPr lang="zh-CN" altLang="en-US" smtClean="0"/>
-              <a:t>2015/6/19</a:t>
+              <a:t>2015/7/1</a:t>
             </a:fld>
             <a:endParaRPr lang="zh-CN" altLang="en-US"/>
           </a:p>
@@ -1722,7 +1728,7 @@
           <a:p>
             <a:fld id="{8FDA2FB0-9F99-450F-8A31-2EF9E17AFA29}" type="datetimeFigureOut">
               <a:rPr lang="zh-CN" altLang="en-US" smtClean="0"/>
-              <a:t>2015/6/19</a:t>
+              <a:t>2015/7/1</a:t>
             </a:fld>
             <a:endParaRPr lang="zh-CN" altLang="en-US"/>
           </a:p>
@@ -1817,7 +1823,7 @@
           <a:p>
             <a:fld id="{8FDA2FB0-9F99-450F-8A31-2EF9E17AFA29}" type="datetimeFigureOut">
               <a:rPr lang="zh-CN" altLang="en-US" smtClean="0"/>
-              <a:t>2015/6/19</a:t>
+              <a:t>2015/7/1</a:t>
             </a:fld>
             <a:endParaRPr lang="zh-CN" altLang="en-US"/>
           </a:p>
@@ -2094,7 +2100,7 @@
           <a:p>
             <a:fld id="{8FDA2FB0-9F99-450F-8A31-2EF9E17AFA29}" type="datetimeFigureOut">
               <a:rPr lang="zh-CN" altLang="en-US" smtClean="0"/>
-              <a:t>2015/6/19</a:t>
+              <a:t>2015/7/1</a:t>
             </a:fld>
             <a:endParaRPr lang="zh-CN" altLang="en-US"/>
           </a:p>
@@ -2347,7 +2353,7 @@
           <a:p>
             <a:fld id="{8FDA2FB0-9F99-450F-8A31-2EF9E17AFA29}" type="datetimeFigureOut">
               <a:rPr lang="zh-CN" altLang="en-US" smtClean="0"/>
-              <a:t>2015/6/19</a:t>
+              <a:t>2015/7/1</a:t>
             </a:fld>
             <a:endParaRPr lang="zh-CN" altLang="en-US"/>
           </a:p>
@@ -2560,7 +2566,7 @@
           <a:p>
             <a:fld id="{8FDA2FB0-9F99-450F-8A31-2EF9E17AFA29}" type="datetimeFigureOut">
               <a:rPr lang="zh-CN" altLang="en-US" smtClean="0"/>
-              <a:t>2015/6/19</a:t>
+              <a:t>2015/7/1</a:t>
             </a:fld>
             <a:endParaRPr lang="zh-CN" altLang="en-US"/>
           </a:p>
@@ -3050,7 +3056,11 @@
           <a:p>
             <a:r>
               <a:rPr lang="zh-CN" altLang="en-US" dirty="0" smtClean="0"/>
-              <a:t>内存结构</a:t>
+              <a:t>桌面结</a:t>
+            </a:r>
+            <a:r>
+              <a:rPr lang="zh-CN" altLang="en-US" dirty="0" smtClean="0"/>
+              <a:t>构</a:t>
             </a:r>
             <a:endParaRPr lang="zh-CN" altLang="en-US" dirty="0"/>
           </a:p>
@@ -3064,7 +3074,7 @@
         </p:nvSpPr>
         <p:spPr>
           <a:xfrm>
-            <a:off x="838200" y="2053087"/>
+            <a:off x="1927261" y="2355392"/>
             <a:ext cx="1449238" cy="293298"/>
           </a:xfrm>
           <a:prstGeom prst="roundRect">
@@ -3091,8 +3101,8 @@
           <a:p>
             <a:pPr algn="ctr"/>
             <a:r>
-              <a:rPr lang="en-US" altLang="zh-CN" dirty="0" err="1" smtClean="0"/>
-              <a:t>Appliction</a:t>
+              <a:rPr lang="en-US" altLang="zh-CN" dirty="0" smtClean="0"/>
+              <a:t>Desktop</a:t>
             </a:r>
             <a:endParaRPr lang="zh-CN" altLang="en-US" dirty="0"/>
           </a:p>
@@ -3106,7 +3116,7 @@
         </p:nvSpPr>
         <p:spPr>
           <a:xfrm>
-            <a:off x="1812984" y="2493124"/>
+            <a:off x="3025334" y="2873268"/>
             <a:ext cx="1723845" cy="293298"/>
           </a:xfrm>
           <a:prstGeom prst="roundRect">
@@ -3133,8 +3143,8 @@
           <a:p>
             <a:pPr algn="ctr"/>
             <a:r>
-              <a:rPr lang="en-US" altLang="zh-CN" dirty="0" err="1" smtClean="0"/>
-              <a:t>ActiveChapter</a:t>
+              <a:rPr lang="en-US" altLang="zh-CN" dirty="0" smtClean="0"/>
+              <a:t>Canvas</a:t>
             </a:r>
             <a:endParaRPr lang="zh-CN" altLang="en-US" dirty="0"/>
           </a:p>
@@ -3151,8 +3161,8 @@
         </p:nvCxnSpPr>
         <p:spPr>
           <a:xfrm rot="16200000" flipH="1">
-            <a:off x="1541207" y="2367996"/>
-            <a:ext cx="293388" cy="250165"/>
+            <a:off x="2652994" y="2647576"/>
+            <a:ext cx="371227" cy="373454"/>
           </a:xfrm>
           <a:prstGeom prst="bentConnector2">
             <a:avLst/>
@@ -3182,7 +3192,7 @@
         </p:nvSpPr>
         <p:spPr>
           <a:xfrm>
-            <a:off x="3003431" y="2933251"/>
+            <a:off x="4349345" y="3391144"/>
             <a:ext cx="1594448" cy="293298"/>
           </a:xfrm>
           <a:prstGeom prst="roundRect">
@@ -3209,8 +3219,8 @@
           <a:p>
             <a:pPr algn="ctr"/>
             <a:r>
-              <a:rPr lang="en-US" altLang="zh-CN" dirty="0" err="1" smtClean="0"/>
-              <a:t>ActiveScene</a:t>
+              <a:rPr lang="en-US" altLang="zh-CN" dirty="0" smtClean="0"/>
+              <a:t>Stage</a:t>
             </a:r>
             <a:endParaRPr lang="zh-CN" altLang="en-US" dirty="0"/>
           </a:p>
@@ -3227,8 +3237,8 @@
         </p:nvCxnSpPr>
         <p:spPr>
           <a:xfrm rot="16200000" flipH="1">
-            <a:off x="2692430" y="2768899"/>
-            <a:ext cx="293478" cy="328524"/>
+            <a:off x="3932688" y="3121135"/>
+            <a:ext cx="371227" cy="462088"/>
           </a:xfrm>
           <a:prstGeom prst="bentConnector2">
             <a:avLst/>
@@ -3252,13 +3262,13 @@
       </p:cxnSp>
       <p:sp>
         <p:nvSpPr>
-          <p:cNvPr id="16" name="圆角矩形 15"/>
+          <p:cNvPr id="19" name="圆角矩形 18"/>
           <p:cNvSpPr/>
           <p:nvPr/>
         </p:nvSpPr>
         <p:spPr>
           <a:xfrm>
-            <a:off x="6415178" y="2053087"/>
+            <a:off x="838200" y="1842031"/>
             <a:ext cx="1449238" cy="293298"/>
           </a:xfrm>
           <a:prstGeom prst="roundRect">
@@ -3286,49 +3296,7 @@
             <a:pPr algn="ctr"/>
             <a:r>
               <a:rPr lang="en-US" altLang="zh-CN" dirty="0" smtClean="0"/>
-              <a:t>Stage</a:t>
-            </a:r>
-            <a:endParaRPr lang="zh-CN" altLang="en-US" dirty="0"/>
-          </a:p>
-        </p:txBody>
-      </p:sp>
-      <p:sp>
-        <p:nvSpPr>
-          <p:cNvPr id="17" name="圆角矩形 16"/>
-          <p:cNvSpPr/>
-          <p:nvPr/>
-        </p:nvSpPr>
-        <p:spPr>
-          <a:xfrm>
-            <a:off x="7726393" y="2575120"/>
-            <a:ext cx="1449238" cy="293298"/>
-          </a:xfrm>
-          <a:prstGeom prst="roundRect">
-            <a:avLst/>
-          </a:prstGeom>
-        </p:spPr>
-        <p:style>
-          <a:lnRef idx="1">
-            <a:schemeClr val="accent2"/>
-          </a:lnRef>
-          <a:fillRef idx="2">
-            <a:schemeClr val="accent2"/>
-          </a:fillRef>
-          <a:effectRef idx="1">
-            <a:schemeClr val="accent2"/>
-          </a:effectRef>
-          <a:fontRef idx="minor">
-            <a:schemeClr val="dk1"/>
-          </a:fontRef>
-        </p:style>
-        <p:txBody>
-          <a:bodyPr rtlCol="0" anchor="ctr"/>
-          <a:lstStyle/>
-          <a:p>
-            <a:pPr algn="ctr"/>
-            <a:r>
-              <a:rPr lang="en-US" altLang="zh-CN" dirty="0" smtClean="0"/>
-              <a:t>Region</a:t>
+              <a:t>Window</a:t>
             </a:r>
             <a:endParaRPr lang="zh-CN" altLang="en-US" dirty="0"/>
           </a:p>
@@ -3336,211 +3304,17 @@
       </p:sp>
       <p:cxnSp>
         <p:nvCxnSpPr>
-          <p:cNvPr id="18" name="肘形连接符 17"/>
+          <p:cNvPr id="20" name="肘形连接符 19"/>
           <p:cNvCxnSpPr>
-            <a:stCxn id="16" idx="2"/>
-            <a:endCxn id="17" idx="1"/>
+            <a:stCxn id="19" idx="2"/>
+            <a:endCxn id="4" idx="1"/>
           </p:cNvCxnSpPr>
           <p:nvPr/>
         </p:nvCxnSpPr>
         <p:spPr>
           <a:xfrm rot="16200000" flipH="1">
-            <a:off x="7245403" y="2240779"/>
-            <a:ext cx="375384" cy="586596"/>
-          </a:xfrm>
-          <a:prstGeom prst="bentConnector2">
-            <a:avLst/>
-          </a:prstGeom>
-          <a:ln w="19050"/>
-        </p:spPr>
-        <p:style>
-          <a:lnRef idx="1">
-            <a:schemeClr val="accent1"/>
-          </a:lnRef>
-          <a:fillRef idx="0">
-            <a:schemeClr val="accent1"/>
-          </a:fillRef>
-          <a:effectRef idx="0">
-            <a:schemeClr val="accent1"/>
-          </a:effectRef>
-          <a:fontRef idx="minor">
-            <a:schemeClr val="tx1"/>
-          </a:fontRef>
-        </p:style>
-      </p:cxnSp>
-      <p:sp>
-        <p:nvSpPr>
-          <p:cNvPr id="22" name="圆角矩形 21"/>
-          <p:cNvSpPr/>
-          <p:nvPr/>
-        </p:nvSpPr>
-        <p:spPr>
-          <a:xfrm>
-            <a:off x="7726393" y="3066824"/>
-            <a:ext cx="1449238" cy="293298"/>
-          </a:xfrm>
-          <a:prstGeom prst="roundRect">
-            <a:avLst/>
-          </a:prstGeom>
-        </p:spPr>
-        <p:style>
-          <a:lnRef idx="1">
-            <a:schemeClr val="accent2"/>
-          </a:lnRef>
-          <a:fillRef idx="2">
-            <a:schemeClr val="accent2"/>
-          </a:fillRef>
-          <a:effectRef idx="1">
-            <a:schemeClr val="accent2"/>
-          </a:effectRef>
-          <a:fontRef idx="minor">
-            <a:schemeClr val="dk1"/>
-          </a:fontRef>
-        </p:style>
-        <p:txBody>
-          <a:bodyPr rtlCol="0" anchor="ctr"/>
-          <a:lstStyle/>
-          <a:p>
-            <a:pPr algn="ctr"/>
-            <a:r>
-              <a:rPr lang="en-US" altLang="zh-CN" dirty="0" smtClean="0"/>
-              <a:t>Layers</a:t>
-            </a:r>
-            <a:endParaRPr lang="zh-CN" altLang="en-US" dirty="0"/>
-          </a:p>
-        </p:txBody>
-      </p:sp>
-      <p:cxnSp>
-        <p:nvCxnSpPr>
-          <p:cNvPr id="23" name="肘形连接符 22"/>
-          <p:cNvCxnSpPr>
-            <a:stCxn id="16" idx="2"/>
-            <a:endCxn id="22" idx="1"/>
-          </p:cNvCxnSpPr>
-          <p:nvPr/>
-        </p:nvCxnSpPr>
-        <p:spPr>
-          <a:xfrm rot="16200000" flipH="1">
-            <a:off x="6999551" y="2486631"/>
-            <a:ext cx="867088" cy="586596"/>
-          </a:xfrm>
-          <a:prstGeom prst="bentConnector2">
-            <a:avLst/>
-          </a:prstGeom>
-          <a:ln w="19050"/>
-        </p:spPr>
-        <p:style>
-          <a:lnRef idx="1">
-            <a:schemeClr val="accent1"/>
-          </a:lnRef>
-          <a:fillRef idx="0">
-            <a:schemeClr val="accent1"/>
-          </a:fillRef>
-          <a:effectRef idx="0">
-            <a:schemeClr val="accent1"/>
-          </a:effectRef>
-          <a:fontRef idx="minor">
-            <a:schemeClr val="tx1"/>
-          </a:fontRef>
-        </p:style>
-      </p:cxnSp>
-      <p:sp>
-        <p:nvSpPr>
-          <p:cNvPr id="29" name="圆角矩形 28"/>
-          <p:cNvSpPr/>
-          <p:nvPr/>
-        </p:nvSpPr>
-        <p:spPr>
-          <a:xfrm>
-            <a:off x="6420930" y="3614828"/>
-            <a:ext cx="1449238" cy="293298"/>
-          </a:xfrm>
-          <a:prstGeom prst="roundRect">
-            <a:avLst/>
-          </a:prstGeom>
-        </p:spPr>
-        <p:style>
-          <a:lnRef idx="1">
-            <a:schemeClr val="accent2"/>
-          </a:lnRef>
-          <a:fillRef idx="2">
-            <a:schemeClr val="accent2"/>
-          </a:fillRef>
-          <a:effectRef idx="1">
-            <a:schemeClr val="accent2"/>
-          </a:effectRef>
-          <a:fontRef idx="minor">
-            <a:schemeClr val="dk1"/>
-          </a:fontRef>
-        </p:style>
-        <p:txBody>
-          <a:bodyPr rtlCol="0" anchor="ctr"/>
-          <a:lstStyle/>
-          <a:p>
-            <a:pPr algn="ctr"/>
-            <a:r>
-              <a:rPr lang="en-US" altLang="zh-CN" dirty="0" smtClean="0"/>
-              <a:t>Template</a:t>
-            </a:r>
-            <a:endParaRPr lang="zh-CN" altLang="en-US" dirty="0"/>
-          </a:p>
-        </p:txBody>
-      </p:sp>
-      <p:sp>
-        <p:nvSpPr>
-          <p:cNvPr id="32" name="圆角矩形 31"/>
-          <p:cNvSpPr/>
-          <p:nvPr/>
-        </p:nvSpPr>
-        <p:spPr>
-          <a:xfrm>
-            <a:off x="7726393" y="4093819"/>
-            <a:ext cx="1449238" cy="293298"/>
-          </a:xfrm>
-          <a:prstGeom prst="roundRect">
-            <a:avLst/>
-          </a:prstGeom>
-        </p:spPr>
-        <p:style>
-          <a:lnRef idx="1">
-            <a:schemeClr val="accent2"/>
-          </a:lnRef>
-          <a:fillRef idx="2">
-            <a:schemeClr val="accent2"/>
-          </a:fillRef>
-          <a:effectRef idx="1">
-            <a:schemeClr val="accent2"/>
-          </a:effectRef>
-          <a:fontRef idx="minor">
-            <a:schemeClr val="dk1"/>
-          </a:fontRef>
-        </p:style>
-        <p:txBody>
-          <a:bodyPr rtlCol="0" anchor="ctr"/>
-          <a:lstStyle/>
-          <a:p>
-            <a:pPr algn="ctr"/>
-            <a:r>
-              <a:rPr lang="en-US" altLang="zh-CN" dirty="0" smtClean="0"/>
-              <a:t>Sprite</a:t>
-            </a:r>
-            <a:endParaRPr lang="zh-CN" altLang="en-US" dirty="0"/>
-          </a:p>
-        </p:txBody>
-      </p:sp>
-      <p:cxnSp>
-        <p:nvCxnSpPr>
-          <p:cNvPr id="33" name="肘形连接符 32"/>
-          <p:cNvCxnSpPr>
-            <a:stCxn id="29" idx="2"/>
-            <a:endCxn id="32" idx="1"/>
-          </p:cNvCxnSpPr>
-          <p:nvPr/>
-        </p:nvCxnSpPr>
-        <p:spPr>
-          <a:xfrm rot="16200000" flipH="1">
-            <a:off x="7269800" y="3783875"/>
-            <a:ext cx="332342" cy="580844"/>
+            <a:off x="1561684" y="2136464"/>
+            <a:ext cx="366712" cy="364442"/>
           </a:xfrm>
           <a:prstGeom prst="bentConnector2">
             <a:avLst/>
@@ -3566,6 +3340,565 @@
     <p:extLst>
       <p:ext uri="{BB962C8B-B14F-4D97-AF65-F5344CB8AC3E}">
         <p14:creationId xmlns:p14="http://schemas.microsoft.com/office/powerpoint/2010/main" val="628468879"/>
+      </p:ext>
+    </p:extLst>
+  </p:cSld>
+  <p:clrMapOvr>
+    <a:masterClrMapping/>
+  </p:clrMapOvr>
+</p:sld>
+</file>
+
+<file path=ppt/slides/slide3.xml><?xml version="1.0" encoding="utf-8"?>
+<p:sld xmlns:a="http://schemas.openxmlformats.org/drawingml/2006/main" xmlns:r="http://schemas.openxmlformats.org/officeDocument/2006/relationships" xmlns:p="http://schemas.openxmlformats.org/presentationml/2006/main">
+  <p:cSld>
+    <p:spTree>
+      <p:nvGrpSpPr>
+        <p:cNvPr id="1" name=""/>
+        <p:cNvGrpSpPr/>
+        <p:nvPr/>
+      </p:nvGrpSpPr>
+      <p:grpSpPr>
+        <a:xfrm>
+          <a:off x="0" y="0"/>
+          <a:ext cx="0" cy="0"/>
+          <a:chOff x="0" y="0"/>
+          <a:chExt cx="0" cy="0"/>
+        </a:xfrm>
+      </p:grpSpPr>
+      <p:sp>
+        <p:nvSpPr>
+          <p:cNvPr id="2" name="标题 1"/>
+          <p:cNvSpPr>
+            <a:spLocks noGrp="1"/>
+          </p:cNvSpPr>
+          <p:nvPr>
+            <p:ph type="title"/>
+          </p:nvPr>
+        </p:nvSpPr>
+        <p:spPr/>
+        <p:txBody>
+          <a:bodyPr/>
+          <a:lstStyle/>
+          <a:p>
+            <a:r>
+              <a:rPr lang="zh-CN" altLang="en-US" dirty="0" smtClean="0"/>
+              <a:t>内存结构</a:t>
+            </a:r>
+            <a:endParaRPr lang="zh-CN" altLang="en-US" dirty="0"/>
+          </a:p>
+        </p:txBody>
+      </p:sp>
+      <p:sp>
+        <p:nvSpPr>
+          <p:cNvPr id="4" name="圆角矩形 3"/>
+          <p:cNvSpPr/>
+          <p:nvPr/>
+        </p:nvSpPr>
+        <p:spPr>
+          <a:xfrm>
+            <a:off x="838200" y="2053087"/>
+            <a:ext cx="1449238" cy="293298"/>
+          </a:xfrm>
+          <a:prstGeom prst="roundRect">
+            <a:avLst/>
+          </a:prstGeom>
+        </p:spPr>
+        <p:style>
+          <a:lnRef idx="1">
+            <a:schemeClr val="accent2"/>
+          </a:lnRef>
+          <a:fillRef idx="2">
+            <a:schemeClr val="accent2"/>
+          </a:fillRef>
+          <a:effectRef idx="1">
+            <a:schemeClr val="accent2"/>
+          </a:effectRef>
+          <a:fontRef idx="minor">
+            <a:schemeClr val="dk1"/>
+          </a:fontRef>
+        </p:style>
+        <p:txBody>
+          <a:bodyPr rtlCol="0" anchor="ctr"/>
+          <a:lstStyle/>
+          <a:p>
+            <a:pPr algn="ctr"/>
+            <a:r>
+              <a:rPr lang="en-US" altLang="zh-CN" dirty="0" err="1" smtClean="0"/>
+              <a:t>Appliction</a:t>
+            </a:r>
+            <a:endParaRPr lang="zh-CN" altLang="en-US" dirty="0"/>
+          </a:p>
+        </p:txBody>
+      </p:sp>
+      <p:sp>
+        <p:nvSpPr>
+          <p:cNvPr id="5" name="圆角矩形 4"/>
+          <p:cNvSpPr/>
+          <p:nvPr/>
+        </p:nvSpPr>
+        <p:spPr>
+          <a:xfrm>
+            <a:off x="1812984" y="2493124"/>
+            <a:ext cx="1723845" cy="293298"/>
+          </a:xfrm>
+          <a:prstGeom prst="roundRect">
+            <a:avLst/>
+          </a:prstGeom>
+        </p:spPr>
+        <p:style>
+          <a:lnRef idx="1">
+            <a:schemeClr val="accent2"/>
+          </a:lnRef>
+          <a:fillRef idx="2">
+            <a:schemeClr val="accent2"/>
+          </a:fillRef>
+          <a:effectRef idx="1">
+            <a:schemeClr val="accent2"/>
+          </a:effectRef>
+          <a:fontRef idx="minor">
+            <a:schemeClr val="dk1"/>
+          </a:fontRef>
+        </p:style>
+        <p:txBody>
+          <a:bodyPr rtlCol="0" anchor="ctr"/>
+          <a:lstStyle/>
+          <a:p>
+            <a:pPr algn="ctr"/>
+            <a:r>
+              <a:rPr lang="en-US" altLang="zh-CN" dirty="0" err="1" smtClean="0"/>
+              <a:t>ActiveChapter</a:t>
+            </a:r>
+            <a:endParaRPr lang="zh-CN" altLang="en-US" dirty="0"/>
+          </a:p>
+        </p:txBody>
+      </p:sp>
+      <p:cxnSp>
+        <p:nvCxnSpPr>
+          <p:cNvPr id="7" name="肘形连接符 6"/>
+          <p:cNvCxnSpPr>
+            <a:stCxn id="4" idx="2"/>
+            <a:endCxn id="5" idx="1"/>
+          </p:cNvCxnSpPr>
+          <p:nvPr/>
+        </p:nvCxnSpPr>
+        <p:spPr>
+          <a:xfrm rot="16200000" flipH="1">
+            <a:off x="1541207" y="2367996"/>
+            <a:ext cx="293388" cy="250165"/>
+          </a:xfrm>
+          <a:prstGeom prst="bentConnector2">
+            <a:avLst/>
+          </a:prstGeom>
+          <a:ln w="19050"/>
+        </p:spPr>
+        <p:style>
+          <a:lnRef idx="1">
+            <a:schemeClr val="accent1"/>
+          </a:lnRef>
+          <a:fillRef idx="0">
+            <a:schemeClr val="accent1"/>
+          </a:fillRef>
+          <a:effectRef idx="0">
+            <a:schemeClr val="accent1"/>
+          </a:effectRef>
+          <a:fontRef idx="minor">
+            <a:schemeClr val="tx1"/>
+          </a:fontRef>
+        </p:style>
+      </p:cxnSp>
+      <p:sp>
+        <p:nvSpPr>
+          <p:cNvPr id="10" name="圆角矩形 9"/>
+          <p:cNvSpPr/>
+          <p:nvPr/>
+        </p:nvSpPr>
+        <p:spPr>
+          <a:xfrm>
+            <a:off x="3003431" y="2933251"/>
+            <a:ext cx="1594448" cy="293298"/>
+          </a:xfrm>
+          <a:prstGeom prst="roundRect">
+            <a:avLst/>
+          </a:prstGeom>
+        </p:spPr>
+        <p:style>
+          <a:lnRef idx="1">
+            <a:schemeClr val="accent2"/>
+          </a:lnRef>
+          <a:fillRef idx="2">
+            <a:schemeClr val="accent2"/>
+          </a:fillRef>
+          <a:effectRef idx="1">
+            <a:schemeClr val="accent2"/>
+          </a:effectRef>
+          <a:fontRef idx="minor">
+            <a:schemeClr val="dk1"/>
+          </a:fontRef>
+        </p:style>
+        <p:txBody>
+          <a:bodyPr rtlCol="0" anchor="ctr"/>
+          <a:lstStyle/>
+          <a:p>
+            <a:pPr algn="ctr"/>
+            <a:r>
+              <a:rPr lang="en-US" altLang="zh-CN" dirty="0" err="1" smtClean="0"/>
+              <a:t>ActiveScene</a:t>
+            </a:r>
+            <a:endParaRPr lang="zh-CN" altLang="en-US" dirty="0"/>
+          </a:p>
+        </p:txBody>
+      </p:sp>
+      <p:cxnSp>
+        <p:nvCxnSpPr>
+          <p:cNvPr id="11" name="肘形连接符 10"/>
+          <p:cNvCxnSpPr>
+            <a:stCxn id="5" idx="2"/>
+            <a:endCxn id="10" idx="1"/>
+          </p:cNvCxnSpPr>
+          <p:nvPr/>
+        </p:nvCxnSpPr>
+        <p:spPr>
+          <a:xfrm rot="16200000" flipH="1">
+            <a:off x="2692430" y="2768899"/>
+            <a:ext cx="293478" cy="328524"/>
+          </a:xfrm>
+          <a:prstGeom prst="bentConnector2">
+            <a:avLst/>
+          </a:prstGeom>
+          <a:ln w="19050"/>
+        </p:spPr>
+        <p:style>
+          <a:lnRef idx="1">
+            <a:schemeClr val="accent1"/>
+          </a:lnRef>
+          <a:fillRef idx="0">
+            <a:schemeClr val="accent1"/>
+          </a:fillRef>
+          <a:effectRef idx="0">
+            <a:schemeClr val="accent1"/>
+          </a:effectRef>
+          <a:fontRef idx="minor">
+            <a:schemeClr val="tx1"/>
+          </a:fontRef>
+        </p:style>
+      </p:cxnSp>
+      <p:sp>
+        <p:nvSpPr>
+          <p:cNvPr id="16" name="圆角矩形 15"/>
+          <p:cNvSpPr/>
+          <p:nvPr/>
+        </p:nvSpPr>
+        <p:spPr>
+          <a:xfrm>
+            <a:off x="6415178" y="2053087"/>
+            <a:ext cx="1449238" cy="293298"/>
+          </a:xfrm>
+          <a:prstGeom prst="roundRect">
+            <a:avLst/>
+          </a:prstGeom>
+        </p:spPr>
+        <p:style>
+          <a:lnRef idx="1">
+            <a:schemeClr val="accent2"/>
+          </a:lnRef>
+          <a:fillRef idx="2">
+            <a:schemeClr val="accent2"/>
+          </a:fillRef>
+          <a:effectRef idx="1">
+            <a:schemeClr val="accent2"/>
+          </a:effectRef>
+          <a:fontRef idx="minor">
+            <a:schemeClr val="dk1"/>
+          </a:fontRef>
+        </p:style>
+        <p:txBody>
+          <a:bodyPr rtlCol="0" anchor="ctr"/>
+          <a:lstStyle/>
+          <a:p>
+            <a:pPr algn="ctr"/>
+            <a:r>
+              <a:rPr lang="en-US" altLang="zh-CN" dirty="0" smtClean="0"/>
+              <a:t>Stage</a:t>
+            </a:r>
+            <a:endParaRPr lang="zh-CN" altLang="en-US" dirty="0"/>
+          </a:p>
+        </p:txBody>
+      </p:sp>
+      <p:sp>
+        <p:nvSpPr>
+          <p:cNvPr id="17" name="圆角矩形 16"/>
+          <p:cNvSpPr/>
+          <p:nvPr/>
+        </p:nvSpPr>
+        <p:spPr>
+          <a:xfrm>
+            <a:off x="7726393" y="2575120"/>
+            <a:ext cx="1449238" cy="293298"/>
+          </a:xfrm>
+          <a:prstGeom prst="roundRect">
+            <a:avLst/>
+          </a:prstGeom>
+        </p:spPr>
+        <p:style>
+          <a:lnRef idx="1">
+            <a:schemeClr val="accent2"/>
+          </a:lnRef>
+          <a:fillRef idx="2">
+            <a:schemeClr val="accent2"/>
+          </a:fillRef>
+          <a:effectRef idx="1">
+            <a:schemeClr val="accent2"/>
+          </a:effectRef>
+          <a:fontRef idx="minor">
+            <a:schemeClr val="dk1"/>
+          </a:fontRef>
+        </p:style>
+        <p:txBody>
+          <a:bodyPr rtlCol="0" anchor="ctr"/>
+          <a:lstStyle/>
+          <a:p>
+            <a:pPr algn="ctr"/>
+            <a:r>
+              <a:rPr lang="en-US" altLang="zh-CN" dirty="0" smtClean="0"/>
+              <a:t>Region</a:t>
+            </a:r>
+            <a:endParaRPr lang="zh-CN" altLang="en-US" dirty="0"/>
+          </a:p>
+        </p:txBody>
+      </p:sp>
+      <p:cxnSp>
+        <p:nvCxnSpPr>
+          <p:cNvPr id="18" name="肘形连接符 17"/>
+          <p:cNvCxnSpPr>
+            <a:stCxn id="16" idx="2"/>
+            <a:endCxn id="17" idx="1"/>
+          </p:cNvCxnSpPr>
+          <p:nvPr/>
+        </p:nvCxnSpPr>
+        <p:spPr>
+          <a:xfrm rot="16200000" flipH="1">
+            <a:off x="7245403" y="2240779"/>
+            <a:ext cx="375384" cy="586596"/>
+          </a:xfrm>
+          <a:prstGeom prst="bentConnector2">
+            <a:avLst/>
+          </a:prstGeom>
+          <a:ln w="19050"/>
+        </p:spPr>
+        <p:style>
+          <a:lnRef idx="1">
+            <a:schemeClr val="accent1"/>
+          </a:lnRef>
+          <a:fillRef idx="0">
+            <a:schemeClr val="accent1"/>
+          </a:fillRef>
+          <a:effectRef idx="0">
+            <a:schemeClr val="accent1"/>
+          </a:effectRef>
+          <a:fontRef idx="minor">
+            <a:schemeClr val="tx1"/>
+          </a:fontRef>
+        </p:style>
+      </p:cxnSp>
+      <p:sp>
+        <p:nvSpPr>
+          <p:cNvPr id="22" name="圆角矩形 21"/>
+          <p:cNvSpPr/>
+          <p:nvPr/>
+        </p:nvSpPr>
+        <p:spPr>
+          <a:xfrm>
+            <a:off x="7726393" y="3066824"/>
+            <a:ext cx="1449238" cy="293298"/>
+          </a:xfrm>
+          <a:prstGeom prst="roundRect">
+            <a:avLst/>
+          </a:prstGeom>
+        </p:spPr>
+        <p:style>
+          <a:lnRef idx="1">
+            <a:schemeClr val="accent2"/>
+          </a:lnRef>
+          <a:fillRef idx="2">
+            <a:schemeClr val="accent2"/>
+          </a:fillRef>
+          <a:effectRef idx="1">
+            <a:schemeClr val="accent2"/>
+          </a:effectRef>
+          <a:fontRef idx="minor">
+            <a:schemeClr val="dk1"/>
+          </a:fontRef>
+        </p:style>
+        <p:txBody>
+          <a:bodyPr rtlCol="0" anchor="ctr"/>
+          <a:lstStyle/>
+          <a:p>
+            <a:pPr algn="ctr"/>
+            <a:r>
+              <a:rPr lang="en-US" altLang="zh-CN" dirty="0" smtClean="0"/>
+              <a:t>Layers</a:t>
+            </a:r>
+            <a:endParaRPr lang="zh-CN" altLang="en-US" dirty="0"/>
+          </a:p>
+        </p:txBody>
+      </p:sp>
+      <p:cxnSp>
+        <p:nvCxnSpPr>
+          <p:cNvPr id="23" name="肘形连接符 22"/>
+          <p:cNvCxnSpPr>
+            <a:stCxn id="16" idx="2"/>
+            <a:endCxn id="22" idx="1"/>
+          </p:cNvCxnSpPr>
+          <p:nvPr/>
+        </p:nvCxnSpPr>
+        <p:spPr>
+          <a:xfrm rot="16200000" flipH="1">
+            <a:off x="6999551" y="2486631"/>
+            <a:ext cx="867088" cy="586596"/>
+          </a:xfrm>
+          <a:prstGeom prst="bentConnector2">
+            <a:avLst/>
+          </a:prstGeom>
+          <a:ln w="19050"/>
+        </p:spPr>
+        <p:style>
+          <a:lnRef idx="1">
+            <a:schemeClr val="accent1"/>
+          </a:lnRef>
+          <a:fillRef idx="0">
+            <a:schemeClr val="accent1"/>
+          </a:fillRef>
+          <a:effectRef idx="0">
+            <a:schemeClr val="accent1"/>
+          </a:effectRef>
+          <a:fontRef idx="minor">
+            <a:schemeClr val="tx1"/>
+          </a:fontRef>
+        </p:style>
+      </p:cxnSp>
+      <p:sp>
+        <p:nvSpPr>
+          <p:cNvPr id="29" name="圆角矩形 28"/>
+          <p:cNvSpPr/>
+          <p:nvPr/>
+        </p:nvSpPr>
+        <p:spPr>
+          <a:xfrm>
+            <a:off x="6420930" y="3614828"/>
+            <a:ext cx="1449238" cy="293298"/>
+          </a:xfrm>
+          <a:prstGeom prst="roundRect">
+            <a:avLst/>
+          </a:prstGeom>
+        </p:spPr>
+        <p:style>
+          <a:lnRef idx="1">
+            <a:schemeClr val="accent2"/>
+          </a:lnRef>
+          <a:fillRef idx="2">
+            <a:schemeClr val="accent2"/>
+          </a:fillRef>
+          <a:effectRef idx="1">
+            <a:schemeClr val="accent2"/>
+          </a:effectRef>
+          <a:fontRef idx="minor">
+            <a:schemeClr val="dk1"/>
+          </a:fontRef>
+        </p:style>
+        <p:txBody>
+          <a:bodyPr rtlCol="0" anchor="ctr"/>
+          <a:lstStyle/>
+          <a:p>
+            <a:pPr algn="ctr"/>
+            <a:r>
+              <a:rPr lang="en-US" altLang="zh-CN" dirty="0" smtClean="0"/>
+              <a:t>Template</a:t>
+            </a:r>
+            <a:endParaRPr lang="zh-CN" altLang="en-US" dirty="0"/>
+          </a:p>
+        </p:txBody>
+      </p:sp>
+      <p:sp>
+        <p:nvSpPr>
+          <p:cNvPr id="32" name="圆角矩形 31"/>
+          <p:cNvSpPr/>
+          <p:nvPr/>
+        </p:nvSpPr>
+        <p:spPr>
+          <a:xfrm>
+            <a:off x="7726393" y="4093819"/>
+            <a:ext cx="1449238" cy="293298"/>
+          </a:xfrm>
+          <a:prstGeom prst="roundRect">
+            <a:avLst/>
+          </a:prstGeom>
+        </p:spPr>
+        <p:style>
+          <a:lnRef idx="1">
+            <a:schemeClr val="accent2"/>
+          </a:lnRef>
+          <a:fillRef idx="2">
+            <a:schemeClr val="accent2"/>
+          </a:fillRef>
+          <a:effectRef idx="1">
+            <a:schemeClr val="accent2"/>
+          </a:effectRef>
+          <a:fontRef idx="minor">
+            <a:schemeClr val="dk1"/>
+          </a:fontRef>
+        </p:style>
+        <p:txBody>
+          <a:bodyPr rtlCol="0" anchor="ctr"/>
+          <a:lstStyle/>
+          <a:p>
+            <a:pPr algn="ctr"/>
+            <a:r>
+              <a:rPr lang="en-US" altLang="zh-CN" dirty="0" smtClean="0"/>
+              <a:t>Sprite</a:t>
+            </a:r>
+            <a:endParaRPr lang="zh-CN" altLang="en-US" dirty="0"/>
+          </a:p>
+        </p:txBody>
+      </p:sp>
+      <p:cxnSp>
+        <p:nvCxnSpPr>
+          <p:cNvPr id="33" name="肘形连接符 32"/>
+          <p:cNvCxnSpPr>
+            <a:stCxn id="29" idx="2"/>
+            <a:endCxn id="32" idx="1"/>
+          </p:cNvCxnSpPr>
+          <p:nvPr/>
+        </p:nvCxnSpPr>
+        <p:spPr>
+          <a:xfrm rot="16200000" flipH="1">
+            <a:off x="7269800" y="3783875"/>
+            <a:ext cx="332342" cy="580844"/>
+          </a:xfrm>
+          <a:prstGeom prst="bentConnector2">
+            <a:avLst/>
+          </a:prstGeom>
+          <a:ln w="19050"/>
+        </p:spPr>
+        <p:style>
+          <a:lnRef idx="1">
+            <a:schemeClr val="accent1"/>
+          </a:lnRef>
+          <a:fillRef idx="0">
+            <a:schemeClr val="accent1"/>
+          </a:fillRef>
+          <a:effectRef idx="0">
+            <a:schemeClr val="accent1"/>
+          </a:effectRef>
+          <a:fontRef idx="minor">
+            <a:schemeClr val="tx1"/>
+          </a:fontRef>
+        </p:style>
+      </p:cxnSp>
+    </p:spTree>
+    <p:extLst>
+      <p:ext uri="{BB962C8B-B14F-4D97-AF65-F5344CB8AC3E}">
+        <p14:creationId xmlns:p14="http://schemas.microsoft.com/office/powerpoint/2010/main" val="2992108635"/>
       </p:ext>
     </p:extLst>
   </p:cSld>

--- a/document/Struct.pptx
+++ b/document/Struct.pptx
@@ -7,7 +7,9 @@
   <p:sldIdLst>
     <p:sldId id="256" r:id="rId2"/>
     <p:sldId id="257" r:id="rId3"/>
-    <p:sldId id="258" r:id="rId4"/>
+    <p:sldId id="259" r:id="rId4"/>
+    <p:sldId id="258" r:id="rId5"/>
+    <p:sldId id="260" r:id="rId6"/>
   </p:sldIdLst>
   <p:sldSz cx="12192000" cy="6858000"/>
   <p:notesSz cx="6858000" cy="9144000"/>
@@ -245,7 +247,7 @@
           <a:p>
             <a:fld id="{8FDA2FB0-9F99-450F-8A31-2EF9E17AFA29}" type="datetimeFigureOut">
               <a:rPr lang="zh-CN" altLang="en-US" smtClean="0"/>
-              <a:t>2015/7/1</a:t>
+              <a:t>2015/7/27</a:t>
             </a:fld>
             <a:endParaRPr lang="zh-CN" altLang="en-US"/>
           </a:p>
@@ -415,7 +417,7 @@
           <a:p>
             <a:fld id="{8FDA2FB0-9F99-450F-8A31-2EF9E17AFA29}" type="datetimeFigureOut">
               <a:rPr lang="zh-CN" altLang="en-US" smtClean="0"/>
-              <a:t>2015/7/1</a:t>
+              <a:t>2015/7/27</a:t>
             </a:fld>
             <a:endParaRPr lang="zh-CN" altLang="en-US"/>
           </a:p>
@@ -595,7 +597,7 @@
           <a:p>
             <a:fld id="{8FDA2FB0-9F99-450F-8A31-2EF9E17AFA29}" type="datetimeFigureOut">
               <a:rPr lang="zh-CN" altLang="en-US" smtClean="0"/>
-              <a:t>2015/7/1</a:t>
+              <a:t>2015/7/27</a:t>
             </a:fld>
             <a:endParaRPr lang="zh-CN" altLang="en-US"/>
           </a:p>
@@ -765,7 +767,7 @@
           <a:p>
             <a:fld id="{8FDA2FB0-9F99-450F-8A31-2EF9E17AFA29}" type="datetimeFigureOut">
               <a:rPr lang="zh-CN" altLang="en-US" smtClean="0"/>
-              <a:t>2015/7/1</a:t>
+              <a:t>2015/7/27</a:t>
             </a:fld>
             <a:endParaRPr lang="zh-CN" altLang="en-US"/>
           </a:p>
@@ -1011,7 +1013,7 @@
           <a:p>
             <a:fld id="{8FDA2FB0-9F99-450F-8A31-2EF9E17AFA29}" type="datetimeFigureOut">
               <a:rPr lang="zh-CN" altLang="en-US" smtClean="0"/>
-              <a:t>2015/7/1</a:t>
+              <a:t>2015/7/27</a:t>
             </a:fld>
             <a:endParaRPr lang="zh-CN" altLang="en-US"/>
           </a:p>
@@ -1243,7 +1245,7 @@
           <a:p>
             <a:fld id="{8FDA2FB0-9F99-450F-8A31-2EF9E17AFA29}" type="datetimeFigureOut">
               <a:rPr lang="zh-CN" altLang="en-US" smtClean="0"/>
-              <a:t>2015/7/1</a:t>
+              <a:t>2015/7/27</a:t>
             </a:fld>
             <a:endParaRPr lang="zh-CN" altLang="en-US"/>
           </a:p>
@@ -1610,7 +1612,7 @@
           <a:p>
             <a:fld id="{8FDA2FB0-9F99-450F-8A31-2EF9E17AFA29}" type="datetimeFigureOut">
               <a:rPr lang="zh-CN" altLang="en-US" smtClean="0"/>
-              <a:t>2015/7/1</a:t>
+              <a:t>2015/7/27</a:t>
             </a:fld>
             <a:endParaRPr lang="zh-CN" altLang="en-US"/>
           </a:p>
@@ -1728,7 +1730,7 @@
           <a:p>
             <a:fld id="{8FDA2FB0-9F99-450F-8A31-2EF9E17AFA29}" type="datetimeFigureOut">
               <a:rPr lang="zh-CN" altLang="en-US" smtClean="0"/>
-              <a:t>2015/7/1</a:t>
+              <a:t>2015/7/27</a:t>
             </a:fld>
             <a:endParaRPr lang="zh-CN" altLang="en-US"/>
           </a:p>
@@ -1823,7 +1825,7 @@
           <a:p>
             <a:fld id="{8FDA2FB0-9F99-450F-8A31-2EF9E17AFA29}" type="datetimeFigureOut">
               <a:rPr lang="zh-CN" altLang="en-US" smtClean="0"/>
-              <a:t>2015/7/1</a:t>
+              <a:t>2015/7/27</a:t>
             </a:fld>
             <a:endParaRPr lang="zh-CN" altLang="en-US"/>
           </a:p>
@@ -2100,7 +2102,7 @@
           <a:p>
             <a:fld id="{8FDA2FB0-9F99-450F-8A31-2EF9E17AFA29}" type="datetimeFigureOut">
               <a:rPr lang="zh-CN" altLang="en-US" smtClean="0"/>
-              <a:t>2015/7/1</a:t>
+              <a:t>2015/7/27</a:t>
             </a:fld>
             <a:endParaRPr lang="zh-CN" altLang="en-US"/>
           </a:p>
@@ -2353,7 +2355,7 @@
           <a:p>
             <a:fld id="{8FDA2FB0-9F99-450F-8A31-2EF9E17AFA29}" type="datetimeFigureOut">
               <a:rPr lang="zh-CN" altLang="en-US" smtClean="0"/>
-              <a:t>2015/7/1</a:t>
+              <a:t>2015/7/27</a:t>
             </a:fld>
             <a:endParaRPr lang="zh-CN" altLang="en-US"/>
           </a:p>
@@ -2566,7 +2568,7 @@
           <a:p>
             <a:fld id="{8FDA2FB0-9F99-450F-8A31-2EF9E17AFA29}" type="datetimeFigureOut">
               <a:rPr lang="zh-CN" altLang="en-US" smtClean="0"/>
-              <a:t>2015/7/1</a:t>
+              <a:t>2015/7/27</a:t>
             </a:fld>
             <a:endParaRPr lang="zh-CN" altLang="en-US"/>
           </a:p>
@@ -2986,7 +2988,11 @@
           <a:bodyPr/>
           <a:lstStyle/>
           <a:p>
-            <a:endParaRPr lang="zh-CN" altLang="en-US"/>
+            <a:r>
+              <a:rPr lang="zh-CN" altLang="en-US" dirty="0" smtClean="0"/>
+              <a:t>内存结构</a:t>
+            </a:r>
+            <a:endParaRPr lang="zh-CN" altLang="en-US" dirty="0"/>
           </a:p>
         </p:txBody>
       </p:sp>
@@ -3055,12 +3061,12 @@
           <a:lstStyle/>
           <a:p>
             <a:r>
+              <a:rPr lang="zh-CN" altLang="en-US" dirty="0"/>
+              <a:t>资源</a:t>
+            </a:r>
+            <a:r>
               <a:rPr lang="zh-CN" altLang="en-US" dirty="0" smtClean="0"/>
-              <a:t>桌面结</a:t>
-            </a:r>
-            <a:r>
-              <a:rPr lang="zh-CN" altLang="en-US" dirty="0" smtClean="0"/>
-              <a:t>构</a:t>
+              <a:t>结构</a:t>
             </a:r>
             <a:endParaRPr lang="zh-CN" altLang="en-US" dirty="0"/>
           </a:p>
@@ -3074,7 +3080,7 @@
         </p:nvSpPr>
         <p:spPr>
           <a:xfrm>
-            <a:off x="1927261" y="2355392"/>
+            <a:off x="4365661" y="2344507"/>
             <a:ext cx="1449238" cy="293298"/>
           </a:xfrm>
           <a:prstGeom prst="roundRect">
@@ -3102,7 +3108,7 @@
             <a:pPr algn="ctr"/>
             <a:r>
               <a:rPr lang="en-US" altLang="zh-CN" dirty="0" smtClean="0"/>
-              <a:t>Desktop</a:t>
+              <a:t>Resource</a:t>
             </a:r>
             <a:endParaRPr lang="zh-CN" altLang="en-US" dirty="0"/>
           </a:p>
@@ -3110,14 +3116,14 @@
       </p:sp>
       <p:sp>
         <p:nvSpPr>
-          <p:cNvPr id="5" name="圆角矩形 4"/>
+          <p:cNvPr id="19" name="圆角矩形 18"/>
           <p:cNvSpPr/>
           <p:nvPr/>
         </p:nvSpPr>
         <p:spPr>
           <a:xfrm>
-            <a:off x="3025334" y="2873268"/>
-            <a:ext cx="1723845" cy="293298"/>
+            <a:off x="3276600" y="1831146"/>
+            <a:ext cx="1449238" cy="293298"/>
           </a:xfrm>
           <a:prstGeom prst="roundRect">
             <a:avLst/>
@@ -3144,7 +3150,7 @@
             <a:pPr algn="ctr"/>
             <a:r>
               <a:rPr lang="en-US" altLang="zh-CN" dirty="0" smtClean="0"/>
-              <a:t>Canvas</a:t>
+              <a:t>Package</a:t>
             </a:r>
             <a:endParaRPr lang="zh-CN" altLang="en-US" dirty="0"/>
           </a:p>
@@ -3152,17 +3158,17 @@
       </p:sp>
       <p:cxnSp>
         <p:nvCxnSpPr>
-          <p:cNvPr id="7" name="肘形连接符 6"/>
+          <p:cNvPr id="20" name="肘形连接符 19"/>
           <p:cNvCxnSpPr>
-            <a:stCxn id="4" idx="2"/>
-            <a:endCxn id="5" idx="1"/>
+            <a:stCxn id="19" idx="2"/>
+            <a:endCxn id="4" idx="1"/>
           </p:cNvCxnSpPr>
           <p:nvPr/>
         </p:nvCxnSpPr>
         <p:spPr>
           <a:xfrm rot="16200000" flipH="1">
-            <a:off x="2652994" y="2647576"/>
-            <a:ext cx="371227" cy="373454"/>
+            <a:off x="4000084" y="2125579"/>
+            <a:ext cx="366712" cy="364442"/>
           </a:xfrm>
           <a:prstGeom prst="bentConnector2">
             <a:avLst/>
@@ -3186,156 +3192,144 @@
       </p:cxnSp>
       <p:sp>
         <p:nvSpPr>
-          <p:cNvPr id="10" name="圆角矩形 9"/>
-          <p:cNvSpPr/>
-          <p:nvPr/>
+          <p:cNvPr id="12" name="内容占位符 2"/>
+          <p:cNvSpPr>
+            <a:spLocks noGrp="1"/>
+          </p:cNvSpPr>
+          <p:nvPr>
+            <p:ph idx="1"/>
+          </p:nvPr>
         </p:nvSpPr>
         <p:spPr>
           <a:xfrm>
-            <a:off x="4349345" y="3391144"/>
-            <a:ext cx="1594448" cy="293298"/>
-          </a:xfrm>
-          <a:prstGeom prst="roundRect">
-            <a:avLst/>
-          </a:prstGeom>
-        </p:spPr>
-        <p:style>
-          <a:lnRef idx="1">
-            <a:schemeClr val="accent2"/>
-          </a:lnRef>
-          <a:fillRef idx="2">
-            <a:schemeClr val="accent2"/>
-          </a:fillRef>
-          <a:effectRef idx="1">
-            <a:schemeClr val="accent2"/>
-          </a:effectRef>
-          <a:fontRef idx="minor">
-            <a:schemeClr val="dk1"/>
-          </a:fontRef>
-        </p:style>
-        <p:txBody>
-          <a:bodyPr rtlCol="0" anchor="ctr"/>
-          <a:lstStyle/>
-          <a:p>
-            <a:pPr algn="ctr"/>
+            <a:off x="838200" y="3026229"/>
+            <a:ext cx="10515600" cy="3401106"/>
+          </a:xfrm>
+        </p:spPr>
+        <p:txBody>
+          <a:bodyPr/>
+          <a:lstStyle/>
+          <a:p>
             <a:r>
               <a:rPr lang="en-US" altLang="zh-CN" dirty="0" smtClean="0"/>
-              <a:t>Stage</a:t>
-            </a:r>
+              <a:t>Resource</a:t>
+            </a:r>
+            <a:r>
+              <a:rPr lang="zh-CN" altLang="en-US" dirty="0" smtClean="0"/>
+              <a:t>：资源对象</a:t>
+            </a:r>
+            <a:endParaRPr lang="en-US" altLang="zh-CN" dirty="0" smtClean="0"/>
+          </a:p>
+          <a:p>
+            <a:pPr lvl="1"/>
+            <a:r>
+              <a:rPr lang="en-US" altLang="zh-CN" dirty="0" err="1" smtClean="0"/>
+              <a:t>ResourcePackage</a:t>
+            </a:r>
+            <a:r>
+              <a:rPr lang="zh-CN" altLang="en-US" dirty="0" smtClean="0"/>
+              <a:t>：对应一个数据文件，每个文件由唯一编号访问</a:t>
+            </a:r>
+            <a:r>
+              <a:rPr lang="en-US" altLang="zh-CN" dirty="0" smtClean="0"/>
+              <a:t>[</a:t>
+            </a:r>
+            <a:r>
+              <a:rPr lang="zh-CN" altLang="en-US" dirty="0" smtClean="0"/>
+              <a:t>路径</a:t>
+            </a:r>
+            <a:r>
+              <a:rPr lang="en-US" altLang="zh-CN" dirty="0" smtClean="0"/>
+              <a:t>]</a:t>
+            </a:r>
+          </a:p>
+          <a:p>
+            <a:pPr lvl="2"/>
+            <a:r>
+              <a:rPr lang="zh-CN" altLang="en-US" dirty="0" smtClean="0"/>
+              <a:t>由</a:t>
+            </a:r>
+            <a:r>
+              <a:rPr lang="en-US" altLang="zh-CN" dirty="0" err="1" smtClean="0"/>
+              <a:t>ProcessLoad</a:t>
+            </a:r>
+            <a:r>
+              <a:rPr lang="zh-CN" altLang="en-US" dirty="0" smtClean="0"/>
+              <a:t>来加载和确认数据准备好。</a:t>
+            </a:r>
+            <a:endParaRPr lang="en-US" altLang="zh-CN" dirty="0" smtClean="0"/>
+          </a:p>
+          <a:p>
+            <a:pPr lvl="1"/>
+            <a:r>
+              <a:rPr lang="en-US" altLang="zh-CN" dirty="0" err="1" smtClean="0"/>
+              <a:t>ResourceGroup</a:t>
+            </a:r>
+            <a:r>
+              <a:rPr lang="zh-CN" altLang="en-US" dirty="0" smtClean="0"/>
+              <a:t>：对应一组同类型的数据</a:t>
+            </a:r>
+            <a:endParaRPr lang="en-US" altLang="zh-CN" dirty="0" smtClean="0"/>
+          </a:p>
+          <a:p>
+            <a:pPr lvl="1"/>
+            <a:r>
+              <a:rPr lang="en-US" altLang="zh-CN" dirty="0" err="1" smtClean="0"/>
+              <a:t>ResourceObject</a:t>
+            </a:r>
+            <a:r>
+              <a:rPr lang="zh-CN" altLang="en-US" dirty="0" smtClean="0"/>
+              <a:t>：对应一个数据内容</a:t>
+            </a:r>
+            <a:endParaRPr lang="en-US" altLang="zh-CN" dirty="0" smtClean="0"/>
+          </a:p>
+          <a:p>
+            <a:pPr lvl="2"/>
+            <a:r>
+              <a:rPr lang="zh-CN" altLang="en-US" dirty="0" smtClean="0"/>
+              <a:t>通过资源编号获得。</a:t>
+            </a:r>
+            <a:r>
+              <a:rPr lang="en-US" altLang="zh-CN" dirty="0" smtClean="0"/>
+              <a:t>[</a:t>
+            </a:r>
+            <a:r>
+              <a:rPr lang="zh-CN" altLang="en-US" dirty="0" smtClean="0"/>
+              <a:t>资源对象总是能够获得，但是数据不一定准备好</a:t>
+            </a:r>
+            <a:r>
+              <a:rPr lang="en-US" altLang="zh-CN" dirty="0" smtClean="0"/>
+              <a:t>]</a:t>
+            </a:r>
+          </a:p>
+          <a:p>
+            <a:r>
+              <a:rPr lang="en-US" altLang="zh-CN" dirty="0" err="1" smtClean="0"/>
+              <a:t>ResourceConsole</a:t>
+            </a:r>
+            <a:r>
+              <a:rPr lang="zh-CN" altLang="en-US" dirty="0" smtClean="0"/>
+              <a:t>：所有资源放在资源控制台内</a:t>
+            </a:r>
+            <a:endParaRPr lang="en-US" altLang="zh-CN" dirty="0" smtClean="0"/>
+          </a:p>
+          <a:p>
+            <a:pPr lvl="1"/>
+            <a:r>
+              <a:rPr lang="zh-CN" altLang="en-US" dirty="0" smtClean="0"/>
+              <a:t>每个资源有个唯一编号</a:t>
+            </a:r>
+            <a:endParaRPr lang="en-US" altLang="zh-CN" dirty="0" smtClean="0"/>
+          </a:p>
+          <a:p>
+            <a:pPr lvl="1"/>
+            <a:endParaRPr lang="en-US" altLang="zh-CN" dirty="0" smtClean="0"/>
+          </a:p>
+          <a:p>
             <a:endParaRPr lang="zh-CN" altLang="en-US" dirty="0"/>
           </a:p>
         </p:txBody>
       </p:sp>
-      <p:cxnSp>
-        <p:nvCxnSpPr>
-          <p:cNvPr id="11" name="肘形连接符 10"/>
-          <p:cNvCxnSpPr>
-            <a:stCxn id="5" idx="2"/>
-            <a:endCxn id="10" idx="1"/>
-          </p:cNvCxnSpPr>
-          <p:nvPr/>
-        </p:nvCxnSpPr>
-        <p:spPr>
-          <a:xfrm rot="16200000" flipH="1">
-            <a:off x="3932688" y="3121135"/>
-            <a:ext cx="371227" cy="462088"/>
-          </a:xfrm>
-          <a:prstGeom prst="bentConnector2">
-            <a:avLst/>
-          </a:prstGeom>
-          <a:ln w="19050"/>
-        </p:spPr>
-        <p:style>
-          <a:lnRef idx="1">
-            <a:schemeClr val="accent1"/>
-          </a:lnRef>
-          <a:fillRef idx="0">
-            <a:schemeClr val="accent1"/>
-          </a:fillRef>
-          <a:effectRef idx="0">
-            <a:schemeClr val="accent1"/>
-          </a:effectRef>
-          <a:fontRef idx="minor">
-            <a:schemeClr val="tx1"/>
-          </a:fontRef>
-        </p:style>
-      </p:cxnSp>
-      <p:sp>
-        <p:nvSpPr>
-          <p:cNvPr id="19" name="圆角矩形 18"/>
-          <p:cNvSpPr/>
-          <p:nvPr/>
-        </p:nvSpPr>
-        <p:spPr>
-          <a:xfrm>
-            <a:off x="838200" y="1842031"/>
-            <a:ext cx="1449238" cy="293298"/>
-          </a:xfrm>
-          <a:prstGeom prst="roundRect">
-            <a:avLst/>
-          </a:prstGeom>
-        </p:spPr>
-        <p:style>
-          <a:lnRef idx="1">
-            <a:schemeClr val="accent2"/>
-          </a:lnRef>
-          <a:fillRef idx="2">
-            <a:schemeClr val="accent2"/>
-          </a:fillRef>
-          <a:effectRef idx="1">
-            <a:schemeClr val="accent2"/>
-          </a:effectRef>
-          <a:fontRef idx="minor">
-            <a:schemeClr val="dk1"/>
-          </a:fontRef>
-        </p:style>
-        <p:txBody>
-          <a:bodyPr rtlCol="0" anchor="ctr"/>
-          <a:lstStyle/>
-          <a:p>
-            <a:pPr algn="ctr"/>
-            <a:r>
-              <a:rPr lang="en-US" altLang="zh-CN" dirty="0" smtClean="0"/>
-              <a:t>Window</a:t>
-            </a:r>
-            <a:endParaRPr lang="zh-CN" altLang="en-US" dirty="0"/>
-          </a:p>
-        </p:txBody>
-      </p:sp>
-      <p:cxnSp>
-        <p:nvCxnSpPr>
-          <p:cNvPr id="20" name="肘形连接符 19"/>
-          <p:cNvCxnSpPr>
-            <a:stCxn id="19" idx="2"/>
-            <a:endCxn id="4" idx="1"/>
-          </p:cNvCxnSpPr>
-          <p:nvPr/>
-        </p:nvCxnSpPr>
-        <p:spPr>
-          <a:xfrm rot="16200000" flipH="1">
-            <a:off x="1561684" y="2136464"/>
-            <a:ext cx="366712" cy="364442"/>
-          </a:xfrm>
-          <a:prstGeom prst="bentConnector2">
-            <a:avLst/>
-          </a:prstGeom>
-          <a:ln w="19050"/>
-        </p:spPr>
-        <p:style>
-          <a:lnRef idx="1">
-            <a:schemeClr val="accent1"/>
-          </a:lnRef>
-          <a:fillRef idx="0">
-            <a:schemeClr val="accent1"/>
-          </a:fillRef>
-          <a:effectRef idx="0">
-            <a:schemeClr val="accent1"/>
-          </a:effectRef>
-          <a:fontRef idx="minor">
-            <a:schemeClr val="tx1"/>
-          </a:fontRef>
-        </p:style>
-      </p:cxnSp>
     </p:spTree>
     <p:extLst>
       <p:ext uri="{BB962C8B-B14F-4D97-AF65-F5344CB8AC3E}">
@@ -3383,6 +3377,329 @@
           <a:p>
             <a:r>
               <a:rPr lang="zh-CN" altLang="en-US" dirty="0" smtClean="0"/>
+              <a:t>桌面结构</a:t>
+            </a:r>
+            <a:endParaRPr lang="zh-CN" altLang="en-US" dirty="0"/>
+          </a:p>
+        </p:txBody>
+      </p:sp>
+      <p:sp>
+        <p:nvSpPr>
+          <p:cNvPr id="4" name="圆角矩形 3"/>
+          <p:cNvSpPr/>
+          <p:nvPr/>
+        </p:nvSpPr>
+        <p:spPr>
+          <a:xfrm>
+            <a:off x="1927261" y="2355392"/>
+            <a:ext cx="1449238" cy="293298"/>
+          </a:xfrm>
+          <a:prstGeom prst="roundRect">
+            <a:avLst/>
+          </a:prstGeom>
+        </p:spPr>
+        <p:style>
+          <a:lnRef idx="1">
+            <a:schemeClr val="accent2"/>
+          </a:lnRef>
+          <a:fillRef idx="2">
+            <a:schemeClr val="accent2"/>
+          </a:fillRef>
+          <a:effectRef idx="1">
+            <a:schemeClr val="accent2"/>
+          </a:effectRef>
+          <a:fontRef idx="minor">
+            <a:schemeClr val="dk1"/>
+          </a:fontRef>
+        </p:style>
+        <p:txBody>
+          <a:bodyPr rtlCol="0" anchor="ctr"/>
+          <a:lstStyle/>
+          <a:p>
+            <a:pPr algn="ctr"/>
+            <a:r>
+              <a:rPr lang="en-US" altLang="zh-CN" dirty="0" smtClean="0"/>
+              <a:t>Desktop</a:t>
+            </a:r>
+            <a:endParaRPr lang="zh-CN" altLang="en-US" dirty="0"/>
+          </a:p>
+        </p:txBody>
+      </p:sp>
+      <p:sp>
+        <p:nvSpPr>
+          <p:cNvPr id="5" name="圆角矩形 4"/>
+          <p:cNvSpPr/>
+          <p:nvPr/>
+        </p:nvSpPr>
+        <p:spPr>
+          <a:xfrm>
+            <a:off x="3025334" y="2873268"/>
+            <a:ext cx="1723845" cy="293298"/>
+          </a:xfrm>
+          <a:prstGeom prst="roundRect">
+            <a:avLst/>
+          </a:prstGeom>
+        </p:spPr>
+        <p:style>
+          <a:lnRef idx="1">
+            <a:schemeClr val="accent2"/>
+          </a:lnRef>
+          <a:fillRef idx="2">
+            <a:schemeClr val="accent2"/>
+          </a:fillRef>
+          <a:effectRef idx="1">
+            <a:schemeClr val="accent2"/>
+          </a:effectRef>
+          <a:fontRef idx="minor">
+            <a:schemeClr val="dk1"/>
+          </a:fontRef>
+        </p:style>
+        <p:txBody>
+          <a:bodyPr rtlCol="0" anchor="ctr"/>
+          <a:lstStyle/>
+          <a:p>
+            <a:pPr algn="ctr"/>
+            <a:r>
+              <a:rPr lang="en-US" altLang="zh-CN" dirty="0" smtClean="0"/>
+              <a:t>Canvas</a:t>
+            </a:r>
+            <a:endParaRPr lang="zh-CN" altLang="en-US" dirty="0"/>
+          </a:p>
+        </p:txBody>
+      </p:sp>
+      <p:cxnSp>
+        <p:nvCxnSpPr>
+          <p:cNvPr id="7" name="肘形连接符 6"/>
+          <p:cNvCxnSpPr>
+            <a:stCxn id="4" idx="2"/>
+            <a:endCxn id="5" idx="1"/>
+          </p:cNvCxnSpPr>
+          <p:nvPr/>
+        </p:nvCxnSpPr>
+        <p:spPr>
+          <a:xfrm rot="16200000" flipH="1">
+            <a:off x="2652994" y="2647576"/>
+            <a:ext cx="371227" cy="373454"/>
+          </a:xfrm>
+          <a:prstGeom prst="bentConnector2">
+            <a:avLst/>
+          </a:prstGeom>
+          <a:ln w="19050"/>
+        </p:spPr>
+        <p:style>
+          <a:lnRef idx="1">
+            <a:schemeClr val="accent1"/>
+          </a:lnRef>
+          <a:fillRef idx="0">
+            <a:schemeClr val="accent1"/>
+          </a:fillRef>
+          <a:effectRef idx="0">
+            <a:schemeClr val="accent1"/>
+          </a:effectRef>
+          <a:fontRef idx="minor">
+            <a:schemeClr val="tx1"/>
+          </a:fontRef>
+        </p:style>
+      </p:cxnSp>
+      <p:sp>
+        <p:nvSpPr>
+          <p:cNvPr id="10" name="圆角矩形 9"/>
+          <p:cNvSpPr/>
+          <p:nvPr/>
+        </p:nvSpPr>
+        <p:spPr>
+          <a:xfrm>
+            <a:off x="4349345" y="3391144"/>
+            <a:ext cx="1594448" cy="293298"/>
+          </a:xfrm>
+          <a:prstGeom prst="roundRect">
+            <a:avLst/>
+          </a:prstGeom>
+        </p:spPr>
+        <p:style>
+          <a:lnRef idx="1">
+            <a:schemeClr val="accent2"/>
+          </a:lnRef>
+          <a:fillRef idx="2">
+            <a:schemeClr val="accent2"/>
+          </a:fillRef>
+          <a:effectRef idx="1">
+            <a:schemeClr val="accent2"/>
+          </a:effectRef>
+          <a:fontRef idx="minor">
+            <a:schemeClr val="dk1"/>
+          </a:fontRef>
+        </p:style>
+        <p:txBody>
+          <a:bodyPr rtlCol="0" anchor="ctr"/>
+          <a:lstStyle/>
+          <a:p>
+            <a:pPr algn="ctr"/>
+            <a:r>
+              <a:rPr lang="en-US" altLang="zh-CN" dirty="0" smtClean="0"/>
+              <a:t>Stage</a:t>
+            </a:r>
+            <a:endParaRPr lang="zh-CN" altLang="en-US" dirty="0"/>
+          </a:p>
+        </p:txBody>
+      </p:sp>
+      <p:cxnSp>
+        <p:nvCxnSpPr>
+          <p:cNvPr id="11" name="肘形连接符 10"/>
+          <p:cNvCxnSpPr>
+            <a:stCxn id="5" idx="2"/>
+            <a:endCxn id="10" idx="1"/>
+          </p:cNvCxnSpPr>
+          <p:nvPr/>
+        </p:nvCxnSpPr>
+        <p:spPr>
+          <a:xfrm rot="16200000" flipH="1">
+            <a:off x="3932688" y="3121135"/>
+            <a:ext cx="371227" cy="462088"/>
+          </a:xfrm>
+          <a:prstGeom prst="bentConnector2">
+            <a:avLst/>
+          </a:prstGeom>
+          <a:ln w="19050"/>
+        </p:spPr>
+        <p:style>
+          <a:lnRef idx="1">
+            <a:schemeClr val="accent1"/>
+          </a:lnRef>
+          <a:fillRef idx="0">
+            <a:schemeClr val="accent1"/>
+          </a:fillRef>
+          <a:effectRef idx="0">
+            <a:schemeClr val="accent1"/>
+          </a:effectRef>
+          <a:fontRef idx="minor">
+            <a:schemeClr val="tx1"/>
+          </a:fontRef>
+        </p:style>
+      </p:cxnSp>
+      <p:sp>
+        <p:nvSpPr>
+          <p:cNvPr id="19" name="圆角矩形 18"/>
+          <p:cNvSpPr/>
+          <p:nvPr/>
+        </p:nvSpPr>
+        <p:spPr>
+          <a:xfrm>
+            <a:off x="838200" y="1842031"/>
+            <a:ext cx="1449238" cy="293298"/>
+          </a:xfrm>
+          <a:prstGeom prst="roundRect">
+            <a:avLst/>
+          </a:prstGeom>
+        </p:spPr>
+        <p:style>
+          <a:lnRef idx="1">
+            <a:schemeClr val="accent2"/>
+          </a:lnRef>
+          <a:fillRef idx="2">
+            <a:schemeClr val="accent2"/>
+          </a:fillRef>
+          <a:effectRef idx="1">
+            <a:schemeClr val="accent2"/>
+          </a:effectRef>
+          <a:fontRef idx="minor">
+            <a:schemeClr val="dk1"/>
+          </a:fontRef>
+        </p:style>
+        <p:txBody>
+          <a:bodyPr rtlCol="0" anchor="ctr"/>
+          <a:lstStyle/>
+          <a:p>
+            <a:pPr algn="ctr"/>
+            <a:r>
+              <a:rPr lang="en-US" altLang="zh-CN" dirty="0" smtClean="0"/>
+              <a:t>Window</a:t>
+            </a:r>
+            <a:endParaRPr lang="zh-CN" altLang="en-US" dirty="0"/>
+          </a:p>
+        </p:txBody>
+      </p:sp>
+      <p:cxnSp>
+        <p:nvCxnSpPr>
+          <p:cNvPr id="20" name="肘形连接符 19"/>
+          <p:cNvCxnSpPr>
+            <a:stCxn id="19" idx="2"/>
+            <a:endCxn id="4" idx="1"/>
+          </p:cNvCxnSpPr>
+          <p:nvPr/>
+        </p:nvCxnSpPr>
+        <p:spPr>
+          <a:xfrm rot="16200000" flipH="1">
+            <a:off x="1561684" y="2136464"/>
+            <a:ext cx="366712" cy="364442"/>
+          </a:xfrm>
+          <a:prstGeom prst="bentConnector2">
+            <a:avLst/>
+          </a:prstGeom>
+          <a:ln w="19050"/>
+        </p:spPr>
+        <p:style>
+          <a:lnRef idx="1">
+            <a:schemeClr val="accent1"/>
+          </a:lnRef>
+          <a:fillRef idx="0">
+            <a:schemeClr val="accent1"/>
+          </a:fillRef>
+          <a:effectRef idx="0">
+            <a:schemeClr val="accent1"/>
+          </a:effectRef>
+          <a:fontRef idx="minor">
+            <a:schemeClr val="tx1"/>
+          </a:fontRef>
+        </p:style>
+      </p:cxnSp>
+    </p:spTree>
+    <p:extLst>
+      <p:ext uri="{BB962C8B-B14F-4D97-AF65-F5344CB8AC3E}">
+        <p14:creationId xmlns:p14="http://schemas.microsoft.com/office/powerpoint/2010/main" val="195351918"/>
+      </p:ext>
+    </p:extLst>
+  </p:cSld>
+  <p:clrMapOvr>
+    <a:masterClrMapping/>
+  </p:clrMapOvr>
+</p:sld>
+</file>
+
+<file path=ppt/slides/slide4.xml><?xml version="1.0" encoding="utf-8"?>
+<p:sld xmlns:a="http://schemas.openxmlformats.org/drawingml/2006/main" xmlns:r="http://schemas.openxmlformats.org/officeDocument/2006/relationships" xmlns:p="http://schemas.openxmlformats.org/presentationml/2006/main">
+  <p:cSld>
+    <p:spTree>
+      <p:nvGrpSpPr>
+        <p:cNvPr id="1" name=""/>
+        <p:cNvGrpSpPr/>
+        <p:nvPr/>
+      </p:nvGrpSpPr>
+      <p:grpSpPr>
+        <a:xfrm>
+          <a:off x="0" y="0"/>
+          <a:ext cx="0" cy="0"/>
+          <a:chOff x="0" y="0"/>
+          <a:chExt cx="0" cy="0"/>
+        </a:xfrm>
+      </p:grpSpPr>
+      <p:sp>
+        <p:nvSpPr>
+          <p:cNvPr id="2" name="标题 1"/>
+          <p:cNvSpPr>
+            <a:spLocks noGrp="1"/>
+          </p:cNvSpPr>
+          <p:nvPr>
+            <p:ph type="title"/>
+          </p:nvPr>
+        </p:nvSpPr>
+        <p:spPr/>
+        <p:txBody>
+          <a:bodyPr/>
+          <a:lstStyle/>
+          <a:p>
+            <a:r>
+              <a:rPr lang="zh-CN" altLang="en-US" dirty="0" smtClean="0"/>
               <a:t>内存结构</a:t>
             </a:r>
             <a:endParaRPr lang="zh-CN" altLang="en-US" dirty="0"/>
@@ -3899,6 +4216,74 @@
     <p:extLst>
       <p:ext uri="{BB962C8B-B14F-4D97-AF65-F5344CB8AC3E}">
         <p14:creationId xmlns:p14="http://schemas.microsoft.com/office/powerpoint/2010/main" val="2992108635"/>
+      </p:ext>
+    </p:extLst>
+  </p:cSld>
+  <p:clrMapOvr>
+    <a:masterClrMapping/>
+  </p:clrMapOvr>
+</p:sld>
+</file>
+
+<file path=ppt/slides/slide5.xml><?xml version="1.0" encoding="utf-8"?>
+<p:sld xmlns:a="http://schemas.openxmlformats.org/drawingml/2006/main" xmlns:r="http://schemas.openxmlformats.org/officeDocument/2006/relationships" xmlns:p="http://schemas.openxmlformats.org/presentationml/2006/main">
+  <p:cSld>
+    <p:spTree>
+      <p:nvGrpSpPr>
+        <p:cNvPr id="1" name=""/>
+        <p:cNvGrpSpPr/>
+        <p:nvPr/>
+      </p:nvGrpSpPr>
+      <p:grpSpPr>
+        <a:xfrm>
+          <a:off x="0" y="0"/>
+          <a:ext cx="0" cy="0"/>
+          <a:chOff x="0" y="0"/>
+          <a:chExt cx="0" cy="0"/>
+        </a:xfrm>
+      </p:grpSpPr>
+      <p:sp>
+        <p:nvSpPr>
+          <p:cNvPr id="2" name="标题 1"/>
+          <p:cNvSpPr>
+            <a:spLocks noGrp="1"/>
+          </p:cNvSpPr>
+          <p:nvPr>
+            <p:ph type="title"/>
+          </p:nvPr>
+        </p:nvSpPr>
+        <p:spPr/>
+        <p:txBody>
+          <a:bodyPr/>
+          <a:lstStyle/>
+          <a:p>
+            <a:endParaRPr lang="zh-CN" altLang="en-US"/>
+          </a:p>
+        </p:txBody>
+      </p:sp>
+      <p:sp>
+        <p:nvSpPr>
+          <p:cNvPr id="3" name="内容占位符 2"/>
+          <p:cNvSpPr>
+            <a:spLocks noGrp="1"/>
+          </p:cNvSpPr>
+          <p:nvPr>
+            <p:ph idx="1"/>
+          </p:nvPr>
+        </p:nvSpPr>
+        <p:spPr/>
+        <p:txBody>
+          <a:bodyPr/>
+          <a:lstStyle/>
+          <a:p>
+            <a:endParaRPr lang="zh-CN" altLang="en-US" dirty="0"/>
+          </a:p>
+        </p:txBody>
+      </p:sp>
+    </p:spTree>
+    <p:extLst>
+      <p:ext uri="{BB962C8B-B14F-4D97-AF65-F5344CB8AC3E}">
+        <p14:creationId xmlns:p14="http://schemas.microsoft.com/office/powerpoint/2010/main" val="663090258"/>
       </p:ext>
     </p:extLst>
   </p:cSld>

--- a/document/Struct.pptx
+++ b/document/Struct.pptx
@@ -9,7 +9,8 @@
     <p:sldId id="257" r:id="rId3"/>
     <p:sldId id="259" r:id="rId4"/>
     <p:sldId id="258" r:id="rId5"/>
-    <p:sldId id="260" r:id="rId6"/>
+    <p:sldId id="261" r:id="rId6"/>
+    <p:sldId id="260" r:id="rId7"/>
   </p:sldIdLst>
   <p:sldSz cx="12192000" cy="6858000"/>
   <p:notesSz cx="6858000" cy="9144000"/>
@@ -110,7 +111,7 @@
   </p:defaultTextStyle>
   <p:extLst>
     <p:ext uri="{EFAFB233-063F-42B5-8137-9DF3F51BA10A}">
-      <p15:sldGuideLst xmlns:p15="http://schemas.microsoft.com/office/powerpoint/2012/main"/>
+      <p15:sldGuideLst xmlns:p15="http://schemas.microsoft.com/office/powerpoint/2012/main" xmlns=""/>
     </p:ext>
   </p:extLst>
 </p:presentation>
@@ -247,7 +248,7 @@
           <a:p>
             <a:fld id="{8FDA2FB0-9F99-450F-8A31-2EF9E17AFA29}" type="datetimeFigureOut">
               <a:rPr lang="zh-CN" altLang="en-US" smtClean="0"/>
-              <a:t>2015/7/27</a:t>
+              <a:t>2015/7/31</a:t>
             </a:fld>
             <a:endParaRPr lang="zh-CN" altLang="en-US"/>
           </a:p>
@@ -417,7 +418,7 @@
           <a:p>
             <a:fld id="{8FDA2FB0-9F99-450F-8A31-2EF9E17AFA29}" type="datetimeFigureOut">
               <a:rPr lang="zh-CN" altLang="en-US" smtClean="0"/>
-              <a:t>2015/7/27</a:t>
+              <a:t>2015/7/31</a:t>
             </a:fld>
             <a:endParaRPr lang="zh-CN" altLang="en-US"/>
           </a:p>
@@ -597,7 +598,7 @@
           <a:p>
             <a:fld id="{8FDA2FB0-9F99-450F-8A31-2EF9E17AFA29}" type="datetimeFigureOut">
               <a:rPr lang="zh-CN" altLang="en-US" smtClean="0"/>
-              <a:t>2015/7/27</a:t>
+              <a:t>2015/7/31</a:t>
             </a:fld>
             <a:endParaRPr lang="zh-CN" altLang="en-US"/>
           </a:p>
@@ -767,7 +768,7 @@
           <a:p>
             <a:fld id="{8FDA2FB0-9F99-450F-8A31-2EF9E17AFA29}" type="datetimeFigureOut">
               <a:rPr lang="zh-CN" altLang="en-US" smtClean="0"/>
-              <a:t>2015/7/27</a:t>
+              <a:t>2015/7/31</a:t>
             </a:fld>
             <a:endParaRPr lang="zh-CN" altLang="en-US"/>
           </a:p>
@@ -1013,7 +1014,7 @@
           <a:p>
             <a:fld id="{8FDA2FB0-9F99-450F-8A31-2EF9E17AFA29}" type="datetimeFigureOut">
               <a:rPr lang="zh-CN" altLang="en-US" smtClean="0"/>
-              <a:t>2015/7/27</a:t>
+              <a:t>2015/7/31</a:t>
             </a:fld>
             <a:endParaRPr lang="zh-CN" altLang="en-US"/>
           </a:p>
@@ -1245,7 +1246,7 @@
           <a:p>
             <a:fld id="{8FDA2FB0-9F99-450F-8A31-2EF9E17AFA29}" type="datetimeFigureOut">
               <a:rPr lang="zh-CN" altLang="en-US" smtClean="0"/>
-              <a:t>2015/7/27</a:t>
+              <a:t>2015/7/31</a:t>
             </a:fld>
             <a:endParaRPr lang="zh-CN" altLang="en-US"/>
           </a:p>
@@ -1612,7 +1613,7 @@
           <a:p>
             <a:fld id="{8FDA2FB0-9F99-450F-8A31-2EF9E17AFA29}" type="datetimeFigureOut">
               <a:rPr lang="zh-CN" altLang="en-US" smtClean="0"/>
-              <a:t>2015/7/27</a:t>
+              <a:t>2015/7/31</a:t>
             </a:fld>
             <a:endParaRPr lang="zh-CN" altLang="en-US"/>
           </a:p>
@@ -1730,7 +1731,7 @@
           <a:p>
             <a:fld id="{8FDA2FB0-9F99-450F-8A31-2EF9E17AFA29}" type="datetimeFigureOut">
               <a:rPr lang="zh-CN" altLang="en-US" smtClean="0"/>
-              <a:t>2015/7/27</a:t>
+              <a:t>2015/7/31</a:t>
             </a:fld>
             <a:endParaRPr lang="zh-CN" altLang="en-US"/>
           </a:p>
@@ -1825,7 +1826,7 @@
           <a:p>
             <a:fld id="{8FDA2FB0-9F99-450F-8A31-2EF9E17AFA29}" type="datetimeFigureOut">
               <a:rPr lang="zh-CN" altLang="en-US" smtClean="0"/>
-              <a:t>2015/7/27</a:t>
+              <a:t>2015/7/31</a:t>
             </a:fld>
             <a:endParaRPr lang="zh-CN" altLang="en-US"/>
           </a:p>
@@ -2102,7 +2103,7 @@
           <a:p>
             <a:fld id="{8FDA2FB0-9F99-450F-8A31-2EF9E17AFA29}" type="datetimeFigureOut">
               <a:rPr lang="zh-CN" altLang="en-US" smtClean="0"/>
-              <a:t>2015/7/27</a:t>
+              <a:t>2015/7/31</a:t>
             </a:fld>
             <a:endParaRPr lang="zh-CN" altLang="en-US"/>
           </a:p>
@@ -2355,7 +2356,7 @@
           <a:p>
             <a:fld id="{8FDA2FB0-9F99-450F-8A31-2EF9E17AFA29}" type="datetimeFigureOut">
               <a:rPr lang="zh-CN" altLang="en-US" smtClean="0"/>
-              <a:t>2015/7/27</a:t>
+              <a:t>2015/7/31</a:t>
             </a:fld>
             <a:endParaRPr lang="zh-CN" altLang="en-US"/>
           </a:p>
@@ -2568,7 +2569,7 @@
           <a:p>
             <a:fld id="{8FDA2FB0-9F99-450F-8A31-2EF9E17AFA29}" type="datetimeFigureOut">
               <a:rPr lang="zh-CN" altLang="en-US" smtClean="0"/>
-              <a:t>2015/7/27</a:t>
+              <a:t>2015/7/31</a:t>
             </a:fld>
             <a:endParaRPr lang="zh-CN" altLang="en-US"/>
           </a:p>
@@ -4257,6 +4258,405 @@
           <a:bodyPr/>
           <a:lstStyle/>
           <a:p>
+            <a:r>
+              <a:rPr lang="en-US" altLang="zh-CN" dirty="0" smtClean="0"/>
+              <a:t>Mesh</a:t>
+            </a:r>
+            <a:endParaRPr lang="zh-CN" altLang="en-US" dirty="0"/>
+          </a:p>
+        </p:txBody>
+      </p:sp>
+      <p:sp>
+        <p:nvSpPr>
+          <p:cNvPr id="4" name="圆角矩形 3"/>
+          <p:cNvSpPr/>
+          <p:nvPr/>
+        </p:nvSpPr>
+        <p:spPr>
+          <a:xfrm>
+            <a:off x="2921819" y="2928372"/>
+            <a:ext cx="1449238" cy="293298"/>
+          </a:xfrm>
+          <a:prstGeom prst="roundRect">
+            <a:avLst/>
+          </a:prstGeom>
+        </p:spPr>
+        <p:style>
+          <a:lnRef idx="1">
+            <a:schemeClr val="accent2"/>
+          </a:lnRef>
+          <a:fillRef idx="2">
+            <a:schemeClr val="accent2"/>
+          </a:fillRef>
+          <a:effectRef idx="1">
+            <a:schemeClr val="accent2"/>
+          </a:effectRef>
+          <a:fontRef idx="minor">
+            <a:schemeClr val="dk1"/>
+          </a:fontRef>
+        </p:style>
+        <p:txBody>
+          <a:bodyPr rtlCol="0" anchor="ctr"/>
+          <a:lstStyle/>
+          <a:p>
+            <a:pPr algn="ctr"/>
+            <a:r>
+              <a:rPr lang="en-US" altLang="zh-CN" dirty="0" smtClean="0"/>
+              <a:t>Mesh</a:t>
+            </a:r>
+            <a:endParaRPr lang="zh-CN" altLang="en-US" dirty="0"/>
+          </a:p>
+        </p:txBody>
+      </p:sp>
+      <p:sp>
+        <p:nvSpPr>
+          <p:cNvPr id="5" name="圆角矩形 4"/>
+          <p:cNvSpPr/>
+          <p:nvPr/>
+        </p:nvSpPr>
+        <p:spPr>
+          <a:xfrm>
+            <a:off x="4127191" y="3459309"/>
+            <a:ext cx="1723845" cy="293298"/>
+          </a:xfrm>
+          <a:prstGeom prst="roundRect">
+            <a:avLst/>
+          </a:prstGeom>
+        </p:spPr>
+        <p:style>
+          <a:lnRef idx="1">
+            <a:schemeClr val="accent2"/>
+          </a:lnRef>
+          <a:fillRef idx="2">
+            <a:schemeClr val="accent2"/>
+          </a:fillRef>
+          <a:effectRef idx="1">
+            <a:schemeClr val="accent2"/>
+          </a:effectRef>
+          <a:fontRef idx="minor">
+            <a:schemeClr val="dk1"/>
+          </a:fontRef>
+        </p:style>
+        <p:txBody>
+          <a:bodyPr rtlCol="0" anchor="ctr"/>
+          <a:lstStyle/>
+          <a:p>
+            <a:pPr algn="ctr"/>
+            <a:r>
+              <a:rPr lang="en-US" altLang="zh-CN" dirty="0" smtClean="0"/>
+              <a:t>Buffers</a:t>
+            </a:r>
+            <a:endParaRPr lang="zh-CN" altLang="en-US" dirty="0"/>
+          </a:p>
+        </p:txBody>
+      </p:sp>
+      <p:cxnSp>
+        <p:nvCxnSpPr>
+          <p:cNvPr id="7" name="肘形连接符 6"/>
+          <p:cNvCxnSpPr>
+            <a:stCxn id="4" idx="2"/>
+            <a:endCxn id="5" idx="1"/>
+          </p:cNvCxnSpPr>
+          <p:nvPr/>
+        </p:nvCxnSpPr>
+        <p:spPr>
+          <a:xfrm rot="16200000" flipH="1">
+            <a:off x="3694670" y="3173437"/>
+            <a:ext cx="384288" cy="480753"/>
+          </a:xfrm>
+          <a:prstGeom prst="bentConnector2">
+            <a:avLst/>
+          </a:prstGeom>
+          <a:ln w="19050"/>
+        </p:spPr>
+        <p:style>
+          <a:lnRef idx="1">
+            <a:schemeClr val="accent1"/>
+          </a:lnRef>
+          <a:fillRef idx="0">
+            <a:schemeClr val="accent1"/>
+          </a:fillRef>
+          <a:effectRef idx="0">
+            <a:schemeClr val="accent1"/>
+          </a:effectRef>
+          <a:fontRef idx="minor">
+            <a:schemeClr val="tx1"/>
+          </a:fontRef>
+        </p:style>
+      </p:cxnSp>
+      <p:sp>
+        <p:nvSpPr>
+          <p:cNvPr id="10" name="圆角矩形 9"/>
+          <p:cNvSpPr/>
+          <p:nvPr/>
+        </p:nvSpPr>
+        <p:spPr>
+          <a:xfrm>
+            <a:off x="6470577" y="3221670"/>
+            <a:ext cx="1594448" cy="293298"/>
+          </a:xfrm>
+          <a:prstGeom prst="roundRect">
+            <a:avLst/>
+          </a:prstGeom>
+        </p:spPr>
+        <p:style>
+          <a:lnRef idx="1">
+            <a:schemeClr val="accent2"/>
+          </a:lnRef>
+          <a:fillRef idx="2">
+            <a:schemeClr val="accent2"/>
+          </a:fillRef>
+          <a:effectRef idx="1">
+            <a:schemeClr val="accent2"/>
+          </a:effectRef>
+          <a:fontRef idx="minor">
+            <a:schemeClr val="dk1"/>
+          </a:fontRef>
+        </p:style>
+        <p:txBody>
+          <a:bodyPr rtlCol="0" anchor="ctr"/>
+          <a:lstStyle/>
+          <a:p>
+            <a:pPr algn="ctr"/>
+            <a:r>
+              <a:rPr lang="en-US" altLang="zh-CN" dirty="0" err="1" smtClean="0"/>
+              <a:t>VertexBuffer</a:t>
+            </a:r>
+            <a:endParaRPr lang="zh-CN" altLang="en-US" dirty="0"/>
+          </a:p>
+        </p:txBody>
+      </p:sp>
+      <p:cxnSp>
+        <p:nvCxnSpPr>
+          <p:cNvPr id="11" name="肘形连接符 10"/>
+          <p:cNvCxnSpPr>
+            <a:stCxn id="5" idx="3"/>
+            <a:endCxn id="10" idx="1"/>
+          </p:cNvCxnSpPr>
+          <p:nvPr/>
+        </p:nvCxnSpPr>
+        <p:spPr>
+          <a:xfrm flipV="1">
+            <a:off x="5851036" y="3368319"/>
+            <a:ext cx="619541" cy="237639"/>
+          </a:xfrm>
+          <a:prstGeom prst="straightConnector1">
+            <a:avLst/>
+          </a:prstGeom>
+          <a:ln w="19050"/>
+        </p:spPr>
+        <p:style>
+          <a:lnRef idx="1">
+            <a:schemeClr val="accent1"/>
+          </a:lnRef>
+          <a:fillRef idx="0">
+            <a:schemeClr val="accent1"/>
+          </a:fillRef>
+          <a:effectRef idx="0">
+            <a:schemeClr val="accent1"/>
+          </a:effectRef>
+          <a:fontRef idx="minor">
+            <a:schemeClr val="tx1"/>
+          </a:fontRef>
+        </p:style>
+      </p:cxnSp>
+      <p:sp>
+        <p:nvSpPr>
+          <p:cNvPr id="20" name="圆角矩形 19"/>
+          <p:cNvSpPr/>
+          <p:nvPr/>
+        </p:nvSpPr>
+        <p:spPr>
+          <a:xfrm>
+            <a:off x="6470577" y="3780766"/>
+            <a:ext cx="1594448" cy="293298"/>
+          </a:xfrm>
+          <a:prstGeom prst="roundRect">
+            <a:avLst/>
+          </a:prstGeom>
+        </p:spPr>
+        <p:style>
+          <a:lnRef idx="1">
+            <a:schemeClr val="accent2"/>
+          </a:lnRef>
+          <a:fillRef idx="2">
+            <a:schemeClr val="accent2"/>
+          </a:fillRef>
+          <a:effectRef idx="1">
+            <a:schemeClr val="accent2"/>
+          </a:effectRef>
+          <a:fontRef idx="minor">
+            <a:schemeClr val="dk1"/>
+          </a:fontRef>
+        </p:style>
+        <p:txBody>
+          <a:bodyPr rtlCol="0" anchor="ctr"/>
+          <a:lstStyle/>
+          <a:p>
+            <a:pPr algn="ctr"/>
+            <a:r>
+              <a:rPr lang="en-US" altLang="zh-CN" dirty="0" err="1" smtClean="0"/>
+              <a:t>IndexBuffer</a:t>
+            </a:r>
+            <a:endParaRPr lang="zh-CN" altLang="en-US" dirty="0"/>
+          </a:p>
+        </p:txBody>
+      </p:sp>
+      <p:cxnSp>
+        <p:nvCxnSpPr>
+          <p:cNvPr id="21" name="肘形连接符 10"/>
+          <p:cNvCxnSpPr>
+            <a:stCxn id="5" idx="3"/>
+            <a:endCxn id="20" idx="1"/>
+          </p:cNvCxnSpPr>
+          <p:nvPr/>
+        </p:nvCxnSpPr>
+        <p:spPr>
+          <a:xfrm>
+            <a:off x="5851036" y="3605958"/>
+            <a:ext cx="619541" cy="321457"/>
+          </a:xfrm>
+          <a:prstGeom prst="straightConnector1">
+            <a:avLst/>
+          </a:prstGeom>
+          <a:ln w="19050"/>
+        </p:spPr>
+        <p:style>
+          <a:lnRef idx="1">
+            <a:schemeClr val="accent1"/>
+          </a:lnRef>
+          <a:fillRef idx="0">
+            <a:schemeClr val="accent1"/>
+          </a:fillRef>
+          <a:effectRef idx="0">
+            <a:schemeClr val="accent1"/>
+          </a:effectRef>
+          <a:fontRef idx="minor">
+            <a:schemeClr val="tx1"/>
+          </a:fontRef>
+        </p:style>
+      </p:cxnSp>
+      <p:sp>
+        <p:nvSpPr>
+          <p:cNvPr id="34" name="圆角矩形 33"/>
+          <p:cNvSpPr/>
+          <p:nvPr/>
+        </p:nvSpPr>
+        <p:spPr>
+          <a:xfrm>
+            <a:off x="1623655" y="2252512"/>
+            <a:ext cx="1449238" cy="293298"/>
+          </a:xfrm>
+          <a:prstGeom prst="roundRect">
+            <a:avLst/>
+          </a:prstGeom>
+        </p:spPr>
+        <p:style>
+          <a:lnRef idx="1">
+            <a:schemeClr val="accent2"/>
+          </a:lnRef>
+          <a:fillRef idx="2">
+            <a:schemeClr val="accent2"/>
+          </a:fillRef>
+          <a:effectRef idx="1">
+            <a:schemeClr val="accent2"/>
+          </a:effectRef>
+          <a:fontRef idx="minor">
+            <a:schemeClr val="dk1"/>
+          </a:fontRef>
+        </p:style>
+        <p:txBody>
+          <a:bodyPr rtlCol="0" anchor="ctr"/>
+          <a:lstStyle/>
+          <a:p>
+            <a:pPr algn="ctr"/>
+            <a:r>
+              <a:rPr lang="en-US" altLang="zh-CN" dirty="0" smtClean="0"/>
+              <a:t>Model</a:t>
+            </a:r>
+            <a:endParaRPr lang="zh-CN" altLang="en-US" dirty="0"/>
+          </a:p>
+        </p:txBody>
+      </p:sp>
+      <p:cxnSp>
+        <p:nvCxnSpPr>
+          <p:cNvPr id="35" name="肘形连接符 34"/>
+          <p:cNvCxnSpPr>
+            <a:stCxn id="34" idx="2"/>
+            <a:endCxn id="4" idx="1"/>
+          </p:cNvCxnSpPr>
+          <p:nvPr/>
+        </p:nvCxnSpPr>
+        <p:spPr>
+          <a:xfrm rot="16200000" flipH="1">
+            <a:off x="2370441" y="2523642"/>
+            <a:ext cx="529211" cy="573545"/>
+          </a:xfrm>
+          <a:prstGeom prst="bentConnector2">
+            <a:avLst/>
+          </a:prstGeom>
+          <a:ln w="19050"/>
+        </p:spPr>
+        <p:style>
+          <a:lnRef idx="1">
+            <a:schemeClr val="accent1"/>
+          </a:lnRef>
+          <a:fillRef idx="0">
+            <a:schemeClr val="accent1"/>
+          </a:fillRef>
+          <a:effectRef idx="0">
+            <a:schemeClr val="accent1"/>
+          </a:effectRef>
+          <a:fontRef idx="minor">
+            <a:schemeClr val="tx1"/>
+          </a:fontRef>
+        </p:style>
+      </p:cxnSp>
+    </p:spTree>
+    <p:extLst>
+      <p:ext uri="{BB962C8B-B14F-4D97-AF65-F5344CB8AC3E}">
+        <p14:creationId xmlns:p14="http://schemas.microsoft.com/office/powerpoint/2010/main" val="4215145384"/>
+      </p:ext>
+    </p:extLst>
+  </p:cSld>
+  <p:clrMapOvr>
+    <a:masterClrMapping/>
+  </p:clrMapOvr>
+</p:sld>
+</file>
+
+<file path=ppt/slides/slide6.xml><?xml version="1.0" encoding="utf-8"?>
+<p:sld xmlns:a="http://schemas.openxmlformats.org/drawingml/2006/main" xmlns:r="http://schemas.openxmlformats.org/officeDocument/2006/relationships" xmlns:p="http://schemas.openxmlformats.org/presentationml/2006/main">
+  <p:cSld>
+    <p:spTree>
+      <p:nvGrpSpPr>
+        <p:cNvPr id="1" name=""/>
+        <p:cNvGrpSpPr/>
+        <p:nvPr/>
+      </p:nvGrpSpPr>
+      <p:grpSpPr>
+        <a:xfrm>
+          <a:off x="0" y="0"/>
+          <a:ext cx="0" cy="0"/>
+          <a:chOff x="0" y="0"/>
+          <a:chExt cx="0" cy="0"/>
+        </a:xfrm>
+      </p:grpSpPr>
+      <p:sp>
+        <p:nvSpPr>
+          <p:cNvPr id="2" name="标题 1"/>
+          <p:cNvSpPr>
+            <a:spLocks noGrp="1"/>
+          </p:cNvSpPr>
+          <p:nvPr>
+            <p:ph type="title"/>
+          </p:nvPr>
+        </p:nvSpPr>
+        <p:spPr/>
+        <p:txBody>
+          <a:bodyPr/>
+          <a:lstStyle/>
+          <a:p>
             <a:endParaRPr lang="zh-CN" altLang="en-US"/>
           </a:p>
         </p:txBody>
@@ -4548,7 +4948,7 @@
   <a:extraClrSchemeLst/>
   <a:extLst>
     <a:ext uri="{05A4C25C-085E-4340-85A3-A5531E510DB2}">
-      <thm15:themeFamily xmlns:thm15="http://schemas.microsoft.com/office/thememl/2012/main" name="Office Theme" id="{62F939B6-93AF-4DB8-9C6B-D6C7DFDC589F}" vid="{4A3C46E8-61CC-4603-A589-7422A47A8E4A}"/>
+      <thm15:themeFamily xmlns:thm15="http://schemas.microsoft.com/office/thememl/2012/main" xmlns="" name="Office Theme" id="{62F939B6-93AF-4DB8-9C6B-D6C7DFDC589F}" vid="{4A3C46E8-61CC-4603-A589-7422A47A8E4A}"/>
     </a:ext>
   </a:extLst>
 </a:theme>
